--- a/Real-Time Cadansaanpassing in een Automatische Fietstransmissie.pptx
+++ b/Real-Time Cadansaanpassing in een Automatische Fietstransmissie.pptx
@@ -15,8 +15,10 @@
     <p:sldId id="263" r:id="rId9"/>
     <p:sldId id="264" r:id="rId10"/>
     <p:sldId id="265" r:id="rId11"/>
-    <p:sldId id="266" r:id="rId12"/>
-    <p:sldId id="267" r:id="rId13"/>
+    <p:sldId id="268" r:id="rId12"/>
+    <p:sldId id="266" r:id="rId13"/>
+    <p:sldId id="267" r:id="rId14"/>
+    <p:sldId id="269" r:id="rId15"/>
   </p:sldIdLst>
   <p:sldSz cx="12192000" cy="6858000"/>
   <p:notesSz cx="6858000" cy="9144000"/>
@@ -284,7 +286,7 @@
           <a:p>
             <a:fld id="{7F8B4FE2-667F-474D-8A8A-8B74A4AE21EA}" type="datetimeFigureOut">
               <a:rPr lang="nl-BE" smtClean="0"/>
-              <a:t>9/12/2018</a:t>
+              <a:t>11/12/2018</a:t>
             </a:fld>
             <a:endParaRPr lang="nl-BE"/>
           </a:p>
@@ -338,7 +340,7 @@
           <a:p>
             <a:fld id="{9149351A-CDCE-4B1B-B76A-28A328DAEEE0}" type="slidenum">
               <a:rPr lang="nl-BE" smtClean="0"/>
-              <a:t>‹#›</a:t>
+              <a:t>‹nr.›</a:t>
             </a:fld>
             <a:endParaRPr lang="nl-BE"/>
           </a:p>
@@ -484,7 +486,7 @@
           <a:p>
             <a:fld id="{7F8B4FE2-667F-474D-8A8A-8B74A4AE21EA}" type="datetimeFigureOut">
               <a:rPr lang="nl-BE" smtClean="0"/>
-              <a:t>9/12/2018</a:t>
+              <a:t>11/12/2018</a:t>
             </a:fld>
             <a:endParaRPr lang="nl-BE"/>
           </a:p>
@@ -538,7 +540,7 @@
           <a:p>
             <a:fld id="{9149351A-CDCE-4B1B-B76A-28A328DAEEE0}" type="slidenum">
               <a:rPr lang="nl-BE" smtClean="0"/>
-              <a:t>‹#›</a:t>
+              <a:t>‹nr.›</a:t>
             </a:fld>
             <a:endParaRPr lang="nl-BE"/>
           </a:p>
@@ -694,7 +696,7 @@
           <a:p>
             <a:fld id="{7F8B4FE2-667F-474D-8A8A-8B74A4AE21EA}" type="datetimeFigureOut">
               <a:rPr lang="nl-BE" smtClean="0"/>
-              <a:t>9/12/2018</a:t>
+              <a:t>11/12/2018</a:t>
             </a:fld>
             <a:endParaRPr lang="nl-BE"/>
           </a:p>
@@ -748,7 +750,7 @@
           <a:p>
             <a:fld id="{9149351A-CDCE-4B1B-B76A-28A328DAEEE0}" type="slidenum">
               <a:rPr lang="nl-BE" smtClean="0"/>
-              <a:t>‹#›</a:t>
+              <a:t>‹nr.›</a:t>
             </a:fld>
             <a:endParaRPr lang="nl-BE"/>
           </a:p>
@@ -894,7 +896,7 @@
           <a:p>
             <a:fld id="{7F8B4FE2-667F-474D-8A8A-8B74A4AE21EA}" type="datetimeFigureOut">
               <a:rPr lang="nl-BE" smtClean="0"/>
-              <a:t>9/12/2018</a:t>
+              <a:t>11/12/2018</a:t>
             </a:fld>
             <a:endParaRPr lang="nl-BE"/>
           </a:p>
@@ -948,7 +950,7 @@
           <a:p>
             <a:fld id="{9149351A-CDCE-4B1B-B76A-28A328DAEEE0}" type="slidenum">
               <a:rPr lang="nl-BE" smtClean="0"/>
-              <a:t>‹#›</a:t>
+              <a:t>‹nr.›</a:t>
             </a:fld>
             <a:endParaRPr lang="nl-BE"/>
           </a:p>
@@ -1170,7 +1172,7 @@
           <a:p>
             <a:fld id="{7F8B4FE2-667F-474D-8A8A-8B74A4AE21EA}" type="datetimeFigureOut">
               <a:rPr lang="nl-BE" smtClean="0"/>
-              <a:t>9/12/2018</a:t>
+              <a:t>11/12/2018</a:t>
             </a:fld>
             <a:endParaRPr lang="nl-BE"/>
           </a:p>
@@ -1224,7 +1226,7 @@
           <a:p>
             <a:fld id="{9149351A-CDCE-4B1B-B76A-28A328DAEEE0}" type="slidenum">
               <a:rPr lang="nl-BE" smtClean="0"/>
-              <a:t>‹#›</a:t>
+              <a:t>‹nr.›</a:t>
             </a:fld>
             <a:endParaRPr lang="nl-BE"/>
           </a:p>
@@ -1438,7 +1440,7 @@
           <a:p>
             <a:fld id="{7F8B4FE2-667F-474D-8A8A-8B74A4AE21EA}" type="datetimeFigureOut">
               <a:rPr lang="nl-BE" smtClean="0"/>
-              <a:t>9/12/2018</a:t>
+              <a:t>11/12/2018</a:t>
             </a:fld>
             <a:endParaRPr lang="nl-BE"/>
           </a:p>
@@ -1492,7 +1494,7 @@
           <a:p>
             <a:fld id="{9149351A-CDCE-4B1B-B76A-28A328DAEEE0}" type="slidenum">
               <a:rPr lang="nl-BE" smtClean="0"/>
-              <a:t>‹#›</a:t>
+              <a:t>‹nr.›</a:t>
             </a:fld>
             <a:endParaRPr lang="nl-BE"/>
           </a:p>
@@ -1853,7 +1855,7 @@
           <a:p>
             <a:fld id="{7F8B4FE2-667F-474D-8A8A-8B74A4AE21EA}" type="datetimeFigureOut">
               <a:rPr lang="nl-BE" smtClean="0"/>
-              <a:t>9/12/2018</a:t>
+              <a:t>11/12/2018</a:t>
             </a:fld>
             <a:endParaRPr lang="nl-BE"/>
           </a:p>
@@ -1907,7 +1909,7 @@
           <a:p>
             <a:fld id="{9149351A-CDCE-4B1B-B76A-28A328DAEEE0}" type="slidenum">
               <a:rPr lang="nl-BE" smtClean="0"/>
-              <a:t>‹#›</a:t>
+              <a:t>‹nr.›</a:t>
             </a:fld>
             <a:endParaRPr lang="nl-BE"/>
           </a:p>
@@ -1995,7 +1997,7 @@
           <a:p>
             <a:fld id="{7F8B4FE2-667F-474D-8A8A-8B74A4AE21EA}" type="datetimeFigureOut">
               <a:rPr lang="nl-BE" smtClean="0"/>
-              <a:t>9/12/2018</a:t>
+              <a:t>11/12/2018</a:t>
             </a:fld>
             <a:endParaRPr lang="nl-BE"/>
           </a:p>
@@ -2049,7 +2051,7 @@
           <a:p>
             <a:fld id="{9149351A-CDCE-4B1B-B76A-28A328DAEEE0}" type="slidenum">
               <a:rPr lang="nl-BE" smtClean="0"/>
-              <a:t>‹#›</a:t>
+              <a:t>‹nr.›</a:t>
             </a:fld>
             <a:endParaRPr lang="nl-BE"/>
           </a:p>
@@ -2108,7 +2110,7 @@
           <a:p>
             <a:fld id="{7F8B4FE2-667F-474D-8A8A-8B74A4AE21EA}" type="datetimeFigureOut">
               <a:rPr lang="nl-BE" smtClean="0"/>
-              <a:t>9/12/2018</a:t>
+              <a:t>11/12/2018</a:t>
             </a:fld>
             <a:endParaRPr lang="nl-BE"/>
           </a:p>
@@ -2162,7 +2164,7 @@
           <a:p>
             <a:fld id="{9149351A-CDCE-4B1B-B76A-28A328DAEEE0}" type="slidenum">
               <a:rPr lang="nl-BE" smtClean="0"/>
-              <a:t>‹#›</a:t>
+              <a:t>‹nr.›</a:t>
             </a:fld>
             <a:endParaRPr lang="nl-BE"/>
           </a:p>
@@ -2421,7 +2423,7 @@
           <a:p>
             <a:fld id="{7F8B4FE2-667F-474D-8A8A-8B74A4AE21EA}" type="datetimeFigureOut">
               <a:rPr lang="nl-BE" smtClean="0"/>
-              <a:t>9/12/2018</a:t>
+              <a:t>11/12/2018</a:t>
             </a:fld>
             <a:endParaRPr lang="nl-BE"/>
           </a:p>
@@ -2475,7 +2477,7 @@
           <a:p>
             <a:fld id="{9149351A-CDCE-4B1B-B76A-28A328DAEEE0}" type="slidenum">
               <a:rPr lang="nl-BE" smtClean="0"/>
-              <a:t>‹#›</a:t>
+              <a:t>‹nr.›</a:t>
             </a:fld>
             <a:endParaRPr lang="nl-BE"/>
           </a:p>
@@ -2710,7 +2712,7 @@
           <a:p>
             <a:fld id="{7F8B4FE2-667F-474D-8A8A-8B74A4AE21EA}" type="datetimeFigureOut">
               <a:rPr lang="nl-BE" smtClean="0"/>
-              <a:t>9/12/2018</a:t>
+              <a:t>11/12/2018</a:t>
             </a:fld>
             <a:endParaRPr lang="nl-BE"/>
           </a:p>
@@ -2764,7 +2766,7 @@
           <a:p>
             <a:fld id="{9149351A-CDCE-4B1B-B76A-28A328DAEEE0}" type="slidenum">
               <a:rPr lang="nl-BE" smtClean="0"/>
-              <a:t>‹#›</a:t>
+              <a:t>‹nr.›</a:t>
             </a:fld>
             <a:endParaRPr lang="nl-BE"/>
           </a:p>
@@ -2953,7 +2955,7 @@
           <a:p>
             <a:fld id="{7F8B4FE2-667F-474D-8A8A-8B74A4AE21EA}" type="datetimeFigureOut">
               <a:rPr lang="nl-BE" smtClean="0"/>
-              <a:t>9/12/2018</a:t>
+              <a:t>11/12/2018</a:t>
             </a:fld>
             <a:endParaRPr lang="nl-BE"/>
           </a:p>
@@ -3043,7 +3045,7 @@
           <a:p>
             <a:fld id="{9149351A-CDCE-4B1B-B76A-28A328DAEEE0}" type="slidenum">
               <a:rPr lang="nl-BE" smtClean="0"/>
-              <a:t>‹#›</a:t>
+              <a:t>‹nr.›</a:t>
             </a:fld>
             <a:endParaRPr lang="nl-BE"/>
           </a:p>
@@ -3386,7 +3388,12 @@
             <p:ph type="ctrTitle"/>
           </p:nvPr>
         </p:nvSpPr>
-        <p:spPr/>
+        <p:spPr>
+          <a:xfrm>
+            <a:off x="1524000" y="1122363"/>
+            <a:ext cx="9144000" cy="2387600"/>
+          </a:xfrm>
+        </p:spPr>
         <p:txBody>
           <a:bodyPr>
             <a:normAutofit fontScale="90000"/>
@@ -3621,10 +3628,10 @@
       </p:grpSpPr>
       <p:sp>
         <p:nvSpPr>
-          <p:cNvPr id="2" name="Title 1">
-            <a:extLst>
-              <a:ext uri="{FF2B5EF4-FFF2-40B4-BE49-F238E27FC236}">
-                <a16:creationId xmlns:a16="http://schemas.microsoft.com/office/drawing/2014/main" id="{526C057D-695D-4878-9C0A-E777844D1954}"/>
+          <p:cNvPr id="2" name="Titel 1">
+            <a:extLst>
+              <a:ext uri="{FF2B5EF4-FFF2-40B4-BE49-F238E27FC236}">
+                <a16:creationId xmlns:a16="http://schemas.microsoft.com/office/drawing/2014/main" id="{5290C4C4-4AB5-4D81-83CA-4D0BD30EFD27}"/>
               </a:ext>
             </a:extLst>
           </p:cNvPr>
@@ -3641,19 +3648,19 @@
           <a:lstStyle/>
           <a:p>
             <a:r>
-              <a:rPr lang="en-US" dirty="0"/>
-              <a:t>Postprocessing</a:t>
-            </a:r>
-            <a:endParaRPr lang="nl-BE" dirty="0"/>
-          </a:p>
-        </p:txBody>
-      </p:sp>
-      <p:sp>
-        <p:nvSpPr>
-          <p:cNvPr id="3" name="Content Placeholder 2">
-            <a:extLst>
-              <a:ext uri="{FF2B5EF4-FFF2-40B4-BE49-F238E27FC236}">
-                <a16:creationId xmlns:a16="http://schemas.microsoft.com/office/drawing/2014/main" id="{927B8B25-AC6D-43A6-97FD-E5EA033921AA}"/>
+              <a:rPr lang="en-GB" dirty="0" err="1"/>
+              <a:t>Vergelijking</a:t>
+            </a:r>
+            <a:endParaRPr lang="en-GB" dirty="0"/>
+          </a:p>
+        </p:txBody>
+      </p:sp>
+      <p:sp>
+        <p:nvSpPr>
+          <p:cNvPr id="3" name="Tijdelijke aanduiding voor inhoud 2">
+            <a:extLst>
+              <a:ext uri="{FF2B5EF4-FFF2-40B4-BE49-F238E27FC236}">
+                <a16:creationId xmlns:a16="http://schemas.microsoft.com/office/drawing/2014/main" id="{2F7EEEE3-E309-4B6C-87AC-7E98E111F4CC}"/>
               </a:ext>
             </a:extLst>
           </p:cNvPr>
@@ -3669,14 +3676,29 @@
           <a:bodyPr/>
           <a:lstStyle/>
           <a:p>
-            <a:endParaRPr lang="nl-BE" dirty="0"/>
+            <a:r>
+              <a:rPr lang="en-GB" dirty="0" err="1"/>
+              <a:t>Foto’s</a:t>
+            </a:r>
+            <a:r>
+              <a:rPr lang="en-GB" dirty="0"/>
+              <a:t> van </a:t>
+            </a:r>
+            <a:r>
+              <a:rPr lang="en-GB" dirty="0" err="1"/>
+              <a:t>mse</a:t>
+            </a:r>
+            <a:r>
+              <a:rPr lang="en-GB" dirty="0"/>
+              <a:t> &amp;&amp; accuracy</a:t>
+            </a:r>
           </a:p>
         </p:txBody>
       </p:sp>
     </p:spTree>
     <p:extLst>
       <p:ext uri="{BB962C8B-B14F-4D97-AF65-F5344CB8AC3E}">
-        <p14:creationId xmlns:p14="http://schemas.microsoft.com/office/powerpoint/2010/main" val="980551028"/>
+        <p14:creationId xmlns:p14="http://schemas.microsoft.com/office/powerpoint/2010/main" val="169127205"/>
       </p:ext>
     </p:extLst>
   </p:cSld>
@@ -3708,6 +3730,114 @@
           <p:cNvPr id="2" name="Title 1">
             <a:extLst>
               <a:ext uri="{FF2B5EF4-FFF2-40B4-BE49-F238E27FC236}">
+                <a16:creationId xmlns:a16="http://schemas.microsoft.com/office/drawing/2014/main" id="{526C057D-695D-4878-9C0A-E777844D1954}"/>
+              </a:ext>
+            </a:extLst>
+          </p:cNvPr>
+          <p:cNvSpPr>
+            <a:spLocks noGrp="1"/>
+          </p:cNvSpPr>
+          <p:nvPr>
+            <p:ph type="title"/>
+          </p:nvPr>
+        </p:nvSpPr>
+        <p:spPr/>
+        <p:txBody>
+          <a:bodyPr/>
+          <a:lstStyle/>
+          <a:p>
+            <a:r>
+              <a:rPr lang="en-US" dirty="0"/>
+              <a:t>Postprocessing</a:t>
+            </a:r>
+            <a:endParaRPr lang="nl-BE" dirty="0"/>
+          </a:p>
+        </p:txBody>
+      </p:sp>
+      <p:sp>
+        <p:nvSpPr>
+          <p:cNvPr id="3" name="Content Placeholder 2">
+            <a:extLst>
+              <a:ext uri="{FF2B5EF4-FFF2-40B4-BE49-F238E27FC236}">
+                <a16:creationId xmlns:a16="http://schemas.microsoft.com/office/drawing/2014/main" id="{927B8B25-AC6D-43A6-97FD-E5EA033921AA}"/>
+              </a:ext>
+            </a:extLst>
+          </p:cNvPr>
+          <p:cNvSpPr>
+            <a:spLocks noGrp="1"/>
+          </p:cNvSpPr>
+          <p:nvPr>
+            <p:ph idx="1"/>
+          </p:nvPr>
+        </p:nvSpPr>
+        <p:spPr/>
+        <p:txBody>
+          <a:bodyPr/>
+          <a:lstStyle/>
+          <a:p>
+            <a:r>
+              <a:rPr lang="nl-BE" dirty="0"/>
+              <a:t>Geen</a:t>
+            </a:r>
+          </a:p>
+          <a:p>
+            <a:r>
+              <a:rPr lang="nl-BE" dirty="0"/>
+              <a:t>Gemiddelde</a:t>
+            </a:r>
+          </a:p>
+          <a:p>
+            <a:r>
+              <a:rPr lang="nl-BE" dirty="0" err="1"/>
+              <a:t>Exponential</a:t>
+            </a:r>
+            <a:r>
+              <a:rPr lang="nl-BE" dirty="0"/>
+              <a:t> </a:t>
+            </a:r>
+            <a:r>
+              <a:rPr lang="nl-BE" dirty="0" err="1"/>
+              <a:t>Smoothing</a:t>
+            </a:r>
+            <a:endParaRPr lang="nl-BE" dirty="0"/>
+          </a:p>
+        </p:txBody>
+      </p:sp>
+    </p:spTree>
+    <p:extLst>
+      <p:ext uri="{BB962C8B-B14F-4D97-AF65-F5344CB8AC3E}">
+        <p14:creationId xmlns:p14="http://schemas.microsoft.com/office/powerpoint/2010/main" val="980551028"/>
+      </p:ext>
+    </p:extLst>
+  </p:cSld>
+  <p:clrMapOvr>
+    <a:masterClrMapping/>
+  </p:clrMapOvr>
+</p:sld>
+</file>
+
+<file path=ppt/slides/slide13.xml><?xml version="1.0" encoding="utf-8"?>
+<p:sld xmlns:a="http://schemas.openxmlformats.org/drawingml/2006/main" xmlns:r="http://schemas.openxmlformats.org/officeDocument/2006/relationships" xmlns:p="http://schemas.openxmlformats.org/presentationml/2006/main">
+  <p:cSld>
+    <p:spTree>
+      <p:nvGrpSpPr>
+        <p:cNvPr id="1" name=""/>
+        <p:cNvGrpSpPr/>
+        <p:nvPr/>
+      </p:nvGrpSpPr>
+      <p:grpSpPr>
+        <a:xfrm>
+          <a:off x="0" y="0"/>
+          <a:ext cx="0" cy="0"/>
+          <a:chOff x="0" y="0"/>
+          <a:chExt cx="0" cy="0"/>
+        </a:xfrm>
+      </p:grpSpPr>
+      <p:sp>
+        <p:nvSpPr>
+          <p:cNvPr id="2" name="Title 1">
+            <a:extLst>
+              <a:ext uri="{FF2B5EF4-FFF2-40B4-BE49-F238E27FC236}">
                 <a16:creationId xmlns:a16="http://schemas.microsoft.com/office/drawing/2014/main" id="{D100E370-F8DD-46C4-859A-8A363604EFB5}"/>
               </a:ext>
             </a:extLst>
@@ -3749,7 +3879,58 @@
           <a:bodyPr/>
           <a:lstStyle/>
           <a:p>
-            <a:endParaRPr lang="nl-BE"/>
+            <a:r>
+              <a:rPr lang="nl-BE" dirty="0"/>
+              <a:t>Foto’s van </a:t>
+            </a:r>
+            <a:r>
+              <a:rPr lang="nl-BE" dirty="0" err="1"/>
+              <a:t>mse</a:t>
+            </a:r>
+            <a:r>
+              <a:rPr lang="nl-BE" dirty="0"/>
+              <a:t> &amp;&amp; </a:t>
+            </a:r>
+            <a:r>
+              <a:rPr lang="nl-BE" dirty="0" err="1"/>
+              <a:t>accuracy</a:t>
+            </a:r>
+            <a:r>
+              <a:rPr lang="nl-BE" dirty="0"/>
+              <a:t> voor </a:t>
+            </a:r>
+            <a:r>
+              <a:rPr lang="nl-BE" dirty="0" err="1"/>
+              <a:t>avg</a:t>
+            </a:r>
+            <a:r>
+              <a:rPr lang="nl-BE" dirty="0"/>
+              <a:t> en </a:t>
+            </a:r>
+            <a:r>
+              <a:rPr lang="nl-BE" dirty="0" err="1"/>
+              <a:t>exponential</a:t>
+            </a:r>
+            <a:r>
+              <a:rPr lang="nl-BE" dirty="0"/>
+              <a:t> </a:t>
+            </a:r>
+            <a:r>
+              <a:rPr lang="nl-BE" dirty="0" err="1"/>
+              <a:t>smoothing</a:t>
+            </a:r>
+            <a:r>
+              <a:rPr lang="nl-BE" dirty="0"/>
+              <a:t> (verschillende </a:t>
+            </a:r>
+            <a:r>
+              <a:rPr lang="nl-BE" dirty="0" err="1"/>
+              <a:t>smoothing</a:t>
+            </a:r>
+            <a:r>
+              <a:rPr lang="nl-BE" dirty="0"/>
+              <a:t> factoren)</a:t>
+            </a:r>
           </a:p>
         </p:txBody>
       </p:sp>
@@ -3757,6 +3938,154 @@
     <p:extLst>
       <p:ext uri="{BB962C8B-B14F-4D97-AF65-F5344CB8AC3E}">
         <p14:creationId xmlns:p14="http://schemas.microsoft.com/office/powerpoint/2010/main" val="3654390824"/>
+      </p:ext>
+    </p:extLst>
+  </p:cSld>
+  <p:clrMapOvr>
+    <a:masterClrMapping/>
+  </p:clrMapOvr>
+</p:sld>
+</file>
+
+<file path=ppt/slides/slide14.xml><?xml version="1.0" encoding="utf-8"?>
+<p:sld xmlns:a="http://schemas.openxmlformats.org/drawingml/2006/main" xmlns:r="http://schemas.openxmlformats.org/officeDocument/2006/relationships" xmlns:p="http://schemas.openxmlformats.org/presentationml/2006/main">
+  <p:cSld>
+    <p:spTree>
+      <p:nvGrpSpPr>
+        <p:cNvPr id="1" name=""/>
+        <p:cNvGrpSpPr/>
+        <p:nvPr/>
+      </p:nvGrpSpPr>
+      <p:grpSpPr>
+        <a:xfrm>
+          <a:off x="0" y="0"/>
+          <a:ext cx="0" cy="0"/>
+          <a:chOff x="0" y="0"/>
+          <a:chExt cx="0" cy="0"/>
+        </a:xfrm>
+      </p:grpSpPr>
+      <p:sp>
+        <p:nvSpPr>
+          <p:cNvPr id="2" name="Titel 1">
+            <a:extLst>
+              <a:ext uri="{FF2B5EF4-FFF2-40B4-BE49-F238E27FC236}">
+                <a16:creationId xmlns:a16="http://schemas.microsoft.com/office/drawing/2014/main" id="{D6E74001-B712-4BEA-9722-CB38E40D1461}"/>
+              </a:ext>
+            </a:extLst>
+          </p:cNvPr>
+          <p:cNvSpPr>
+            <a:spLocks noGrp="1"/>
+          </p:cNvSpPr>
+          <p:nvPr>
+            <p:ph type="title"/>
+          </p:nvPr>
+        </p:nvSpPr>
+        <p:spPr/>
+        <p:txBody>
+          <a:bodyPr/>
+          <a:lstStyle/>
+          <a:p>
+            <a:r>
+              <a:rPr lang="en-GB" dirty="0"/>
+              <a:t>Wat </a:t>
+            </a:r>
+            <a:r>
+              <a:rPr lang="en-GB" dirty="0" err="1"/>
+              <a:t>volgt</a:t>
+            </a:r>
+            <a:r>
+              <a:rPr lang="en-GB" dirty="0"/>
+              <a:t>?</a:t>
+            </a:r>
+          </a:p>
+        </p:txBody>
+      </p:sp>
+      <p:sp>
+        <p:nvSpPr>
+          <p:cNvPr id="3" name="Tijdelijke aanduiding voor inhoud 2">
+            <a:extLst>
+              <a:ext uri="{FF2B5EF4-FFF2-40B4-BE49-F238E27FC236}">
+                <a16:creationId xmlns:a16="http://schemas.microsoft.com/office/drawing/2014/main" id="{8042F511-F2F8-4165-804A-2941B8A04622}"/>
+              </a:ext>
+            </a:extLst>
+          </p:cNvPr>
+          <p:cNvSpPr>
+            <a:spLocks noGrp="1"/>
+          </p:cNvSpPr>
+          <p:nvPr>
+            <p:ph idx="1"/>
+          </p:nvPr>
+        </p:nvSpPr>
+        <p:spPr>
+          <a:xfrm>
+            <a:off x="838200" y="1825625"/>
+            <a:ext cx="10515600" cy="4351338"/>
+          </a:xfrm>
+        </p:spPr>
+        <p:txBody>
+          <a:bodyPr/>
+          <a:lstStyle/>
+          <a:p>
+            <a:r>
+              <a:rPr lang="en-GB" dirty="0"/>
+              <a:t>Model </a:t>
+            </a:r>
+            <a:r>
+              <a:rPr lang="en-GB" dirty="0" err="1"/>
+              <a:t>verbeteren</a:t>
+            </a:r>
+            <a:endParaRPr lang="en-GB" dirty="0"/>
+          </a:p>
+          <a:p>
+            <a:r>
+              <a:rPr lang="en-GB" dirty="0"/>
+              <a:t>Model </a:t>
+            </a:r>
+            <a:r>
+              <a:rPr lang="en-GB" dirty="0" err="1"/>
+              <a:t>testen</a:t>
+            </a:r>
+            <a:r>
+              <a:rPr lang="en-GB" dirty="0"/>
+              <a:t> op </a:t>
+            </a:r>
+            <a:r>
+              <a:rPr lang="en-GB" dirty="0" err="1"/>
+              <a:t>echte</a:t>
+            </a:r>
+            <a:r>
+              <a:rPr lang="en-GB" dirty="0"/>
+              <a:t> data</a:t>
+            </a:r>
+          </a:p>
+          <a:p>
+            <a:r>
+              <a:rPr lang="en-GB" dirty="0"/>
+              <a:t>Model op </a:t>
+            </a:r>
+            <a:r>
+              <a:rPr lang="en-GB" dirty="0" err="1"/>
+              <a:t>fiets</a:t>
+            </a:r>
+            <a:r>
+              <a:rPr lang="en-GB" dirty="0"/>
+              <a:t> </a:t>
+            </a:r>
+            <a:r>
+              <a:rPr lang="en-GB" dirty="0" err="1"/>
+              <a:t>zetten</a:t>
+            </a:r>
+            <a:endParaRPr lang="en-GB" dirty="0"/>
+          </a:p>
+          <a:p>
+            <a:endParaRPr lang="en-GB" dirty="0"/>
+          </a:p>
+        </p:txBody>
+      </p:sp>
+    </p:spTree>
+    <p:extLst>
+      <p:ext uri="{BB962C8B-B14F-4D97-AF65-F5344CB8AC3E}">
+        <p14:creationId xmlns:p14="http://schemas.microsoft.com/office/powerpoint/2010/main" val="303929408"/>
       </p:ext>
     </p:extLst>
   </p:cSld>

--- a/Real-Time Cadansaanpassing in een Automatische Fietstransmissie.pptx
+++ b/Real-Time Cadansaanpassing in een Automatische Fietstransmissie.pptx
@@ -6,19 +6,21 @@
   </p:sldMasterIdLst>
   <p:sldIdLst>
     <p:sldId id="256" r:id="rId2"/>
-    <p:sldId id="258" r:id="rId3"/>
-    <p:sldId id="257" r:id="rId4"/>
-    <p:sldId id="259" r:id="rId5"/>
-    <p:sldId id="260" r:id="rId6"/>
-    <p:sldId id="261" r:id="rId7"/>
-    <p:sldId id="262" r:id="rId8"/>
-    <p:sldId id="263" r:id="rId9"/>
-    <p:sldId id="264" r:id="rId10"/>
-    <p:sldId id="265" r:id="rId11"/>
-    <p:sldId id="268" r:id="rId12"/>
-    <p:sldId id="266" r:id="rId13"/>
-    <p:sldId id="267" r:id="rId14"/>
-    <p:sldId id="269" r:id="rId15"/>
+    <p:sldId id="271" r:id="rId3"/>
+    <p:sldId id="270" r:id="rId4"/>
+    <p:sldId id="258" r:id="rId5"/>
+    <p:sldId id="257" r:id="rId6"/>
+    <p:sldId id="259" r:id="rId7"/>
+    <p:sldId id="260" r:id="rId8"/>
+    <p:sldId id="261" r:id="rId9"/>
+    <p:sldId id="262" r:id="rId10"/>
+    <p:sldId id="263" r:id="rId11"/>
+    <p:sldId id="264" r:id="rId12"/>
+    <p:sldId id="265" r:id="rId13"/>
+    <p:sldId id="268" r:id="rId14"/>
+    <p:sldId id="266" r:id="rId15"/>
+    <p:sldId id="267" r:id="rId16"/>
+    <p:sldId id="269" r:id="rId17"/>
   </p:sldIdLst>
   <p:sldSz cx="12192000" cy="6858000"/>
   <p:notesSz cx="6858000" cy="9144000"/>
@@ -134,7 +136,28 @@
       </p:ext>
     </p:extLst>
   </p:cmAuthor>
+  <p:cmAuthor id="2" name="Arno" initials="A" lastIdx="1" clrIdx="1">
+    <p:extLst>
+      <p:ext uri="{19B8F6BF-5375-455C-9EA6-DF929625EA0E}">
+        <p15:presenceInfo xmlns:p15="http://schemas.microsoft.com/office/powerpoint/2012/main" userId="Arno" providerId="None"/>
+      </p:ext>
+    </p:extLst>
+  </p:cmAuthor>
 </p:cmAuthorLst>
+</file>
+
+<file path=ppt/comments/comment1.xml><?xml version="1.0" encoding="utf-8"?>
+<p:cmLst xmlns:a="http://schemas.openxmlformats.org/drawingml/2006/main" xmlns:r="http://schemas.openxmlformats.org/officeDocument/2006/relationships" xmlns:p="http://schemas.openxmlformats.org/presentationml/2006/main">
+  <p:cm authorId="2" dt="2018-12-11T13:19:24.567" idx="1">
+    <p:pos x="7152" y="480"/>
+    <p:text>hoe t_dc evolueert (sin)</p:text>
+    <p:extLst>
+      <p:ext uri="{C676402C-5697-4E1C-873F-D02D1690AC5C}">
+        <p15:threadingInfo xmlns:p15="http://schemas.microsoft.com/office/powerpoint/2012/main" timeZoneBias="-60"/>
+      </p:ext>
+    </p:extLst>
+  </p:cm>
+</p:cmLst>
 </file>
 
 <file path=ppt/slideLayouts/slideLayout1.xml><?xml version="1.0" encoding="utf-8"?>
@@ -3518,7 +3541,7 @@
           <p:cNvPr id="2" name="Title 1">
             <a:extLst>
               <a:ext uri="{FF2B5EF4-FFF2-40B4-BE49-F238E27FC236}">
-                <a16:creationId xmlns:a16="http://schemas.microsoft.com/office/drawing/2014/main" id="{77E998F8-2FE3-4A17-99BD-75FF147F54C9}"/>
+                <a16:creationId xmlns:a16="http://schemas.microsoft.com/office/drawing/2014/main" id="{109C31AB-28B6-49CA-AA2F-75F45898398F}"/>
               </a:ext>
             </a:extLst>
           </p:cNvPr>
@@ -3536,7 +3559,7 @@
           <a:p>
             <a:r>
               <a:rPr lang="en-US" dirty="0"/>
-              <a:t>Passive Aggressive Algorithm</a:t>
+              <a:t>LSTM</a:t>
             </a:r>
             <a:endParaRPr lang="nl-BE" dirty="0"/>
           </a:p>
@@ -3547,7 +3570,7 @@
           <p:cNvPr id="3" name="Content Placeholder 2">
             <a:extLst>
               <a:ext uri="{FF2B5EF4-FFF2-40B4-BE49-F238E27FC236}">
-                <a16:creationId xmlns:a16="http://schemas.microsoft.com/office/drawing/2014/main" id="{40F4CBD6-C0C5-444A-95E9-B64CEC27CBE6}"/>
+                <a16:creationId xmlns:a16="http://schemas.microsoft.com/office/drawing/2014/main" id="{5DD51DD9-1288-4B83-9604-678A56D96592}"/>
               </a:ext>
             </a:extLst>
           </p:cNvPr>
@@ -3565,7 +3588,7 @@
           <a:p>
             <a:r>
               <a:rPr lang="en-US" dirty="0"/>
-              <a:t>+ Training</a:t>
+              <a:t>+ Noise resistant</a:t>
             </a:r>
           </a:p>
           <a:p>
@@ -3574,24 +3597,102 @@
               <a:t>+ </a:t>
             </a:r>
             <a:r>
+              <a:rPr lang="nl-BE" dirty="0"/>
+              <a:t>Sequentiële</a:t>
+            </a:r>
+            <a:r>
+              <a:rPr lang="en-US" dirty="0"/>
+              <a:t> data</a:t>
+            </a:r>
+          </a:p>
+          <a:p>
+            <a:r>
+              <a:rPr lang="en-US" dirty="0"/>
+              <a:t>+ </a:t>
+            </a:r>
+            <a:r>
               <a:rPr lang="en-US" dirty="0" err="1"/>
               <a:t>Voorspelling</a:t>
             </a:r>
-            <a:endParaRPr lang="en-US" dirty="0"/>
+            <a:endParaRPr lang="nl-BE" dirty="0"/>
           </a:p>
           <a:p>
             <a:r>
               <a:rPr lang="en-US" dirty="0"/>
-              <a:t>+ On-line</a:t>
-            </a:r>
-          </a:p>
+              <a:t>- Training</a:t>
+            </a:r>
+            <a:endParaRPr lang="nl-BE" dirty="0"/>
+          </a:p>
+        </p:txBody>
+      </p:sp>
+      <p:pic>
+        <p:nvPicPr>
+          <p:cNvPr id="5" name="Picture 4">
+            <a:extLst>
+              <a:ext uri="{FF2B5EF4-FFF2-40B4-BE49-F238E27FC236}">
+                <a16:creationId xmlns:a16="http://schemas.microsoft.com/office/drawing/2014/main" id="{ECB5A14C-2B97-4E89-B428-4DF7A9425F4B}"/>
+              </a:ext>
+            </a:extLst>
+          </p:cNvPr>
+          <p:cNvPicPr>
+            <a:picLocks noChangeAspect="1"/>
+          </p:cNvPicPr>
+          <p:nvPr/>
+        </p:nvPicPr>
+        <p:blipFill>
+          <a:blip r:embed="rId2">
+            <a:extLst>
+              <a:ext uri="{28A0092B-C50C-407E-A947-70E740481C1C}">
+                <a14:useLocalDpi xmlns:a14="http://schemas.microsoft.com/office/drawing/2010/main" val="0"/>
+              </a:ext>
+            </a:extLst>
+          </a:blip>
+          <a:stretch>
+            <a:fillRect/>
+          </a:stretch>
+        </p:blipFill>
+        <p:spPr>
+          <a:xfrm>
+            <a:off x="5637087" y="1444108"/>
+            <a:ext cx="6096000" cy="4572000"/>
+          </a:xfrm>
+          <a:prstGeom prst="rect">
+            <a:avLst/>
+          </a:prstGeom>
+        </p:spPr>
+      </p:pic>
+      <p:sp>
+        <p:nvSpPr>
+          <p:cNvPr id="6" name="TextBox 5">
+            <a:extLst>
+              <a:ext uri="{FF2B5EF4-FFF2-40B4-BE49-F238E27FC236}">
+                <a16:creationId xmlns:a16="http://schemas.microsoft.com/office/drawing/2014/main" id="{EDCCF144-C2F5-4D86-9E25-FAC4541303EB}"/>
+              </a:ext>
+            </a:extLst>
+          </p:cNvPr>
+          <p:cNvSpPr txBox="1"/>
+          <p:nvPr/>
+        </p:nvSpPr>
+        <p:spPr>
+          <a:xfrm>
+            <a:off x="9356330" y="6176963"/>
+            <a:ext cx="1997470" cy="369332"/>
+          </a:xfrm>
+          <a:prstGeom prst="rect">
+            <a:avLst/>
+          </a:prstGeom>
+          <a:noFill/>
+        </p:spPr>
+        <p:txBody>
+          <a:bodyPr wrap="none" rtlCol="0">
+            <a:spAutoFit/>
+          </a:bodyPr>
+          <a:lstStyle/>
           <a:p>
             <a:r>
               <a:rPr lang="en-US" dirty="0"/>
-              <a:t>- Noise</a:t>
-            </a:r>
-          </a:p>
-          <a:p>
+              <a:t>Epoch 10 van LSTM</a:t>
+            </a:r>
             <a:endParaRPr lang="nl-BE" dirty="0"/>
           </a:p>
         </p:txBody>
@@ -3599,7 +3700,7 @@
     </p:spTree>
     <p:extLst>
       <p:ext uri="{BB962C8B-B14F-4D97-AF65-F5344CB8AC3E}">
-        <p14:creationId xmlns:p14="http://schemas.microsoft.com/office/powerpoint/2010/main" val="421549349"/>
+        <p14:creationId xmlns:p14="http://schemas.microsoft.com/office/powerpoint/2010/main" val="1876236166"/>
       </p:ext>
     </p:extLst>
   </p:cSld>
@@ -3628,10 +3729,10 @@
       </p:grpSpPr>
       <p:sp>
         <p:nvSpPr>
-          <p:cNvPr id="2" name="Titel 1">
-            <a:extLst>
-              <a:ext uri="{FF2B5EF4-FFF2-40B4-BE49-F238E27FC236}">
-                <a16:creationId xmlns:a16="http://schemas.microsoft.com/office/drawing/2014/main" id="{5290C4C4-4AB5-4D81-83CA-4D0BD30EFD27}"/>
+          <p:cNvPr id="2" name="Title 1">
+            <a:extLst>
+              <a:ext uri="{FF2B5EF4-FFF2-40B4-BE49-F238E27FC236}">
+                <a16:creationId xmlns:a16="http://schemas.microsoft.com/office/drawing/2014/main" id="{F9549881-6D30-447E-AF2F-8BC68A548A58}"/>
               </a:ext>
             </a:extLst>
           </p:cNvPr>
@@ -3648,19 +3749,19 @@
           <a:lstStyle/>
           <a:p>
             <a:r>
-              <a:rPr lang="en-GB" dirty="0" err="1"/>
-              <a:t>Vergelijking</a:t>
-            </a:r>
-            <a:endParaRPr lang="en-GB" dirty="0"/>
-          </a:p>
-        </p:txBody>
-      </p:sp>
-      <p:sp>
-        <p:nvSpPr>
-          <p:cNvPr id="3" name="Tijdelijke aanduiding voor inhoud 2">
-            <a:extLst>
-              <a:ext uri="{FF2B5EF4-FFF2-40B4-BE49-F238E27FC236}">
-                <a16:creationId xmlns:a16="http://schemas.microsoft.com/office/drawing/2014/main" id="{2F7EEEE3-E309-4B6C-87AC-7E98E111F4CC}"/>
+              <a:rPr lang="en-US" dirty="0"/>
+              <a:t>Tree + Random Forests</a:t>
+            </a:r>
+            <a:endParaRPr lang="nl-BE" dirty="0"/>
+          </a:p>
+        </p:txBody>
+      </p:sp>
+      <p:sp>
+        <p:nvSpPr>
+          <p:cNvPr id="3" name="Content Placeholder 2">
+            <a:extLst>
+              <a:ext uri="{FF2B5EF4-FFF2-40B4-BE49-F238E27FC236}">
+                <a16:creationId xmlns:a16="http://schemas.microsoft.com/office/drawing/2014/main" id="{53F9AD7E-7680-4FE6-854B-EBDE97D6D1F3}"/>
               </a:ext>
             </a:extLst>
           </p:cNvPr>
@@ -3677,28 +3778,108 @@
           <a:lstStyle/>
           <a:p>
             <a:r>
-              <a:rPr lang="en-GB" dirty="0" err="1"/>
-              <a:t>Foto’s</a:t>
-            </a:r>
-            <a:r>
-              <a:rPr lang="en-GB" dirty="0"/>
-              <a:t> van </a:t>
-            </a:r>
-            <a:r>
-              <a:rPr lang="en-GB" dirty="0" err="1"/>
-              <a:t>mse</a:t>
-            </a:r>
-            <a:r>
-              <a:rPr lang="en-GB" dirty="0"/>
-              <a:t> &amp;&amp; accuracy</a:t>
-            </a:r>
+              <a:rPr lang="en-US" dirty="0"/>
+              <a:t>+ Training</a:t>
+            </a:r>
+          </a:p>
+          <a:p>
+            <a:r>
+              <a:rPr lang="en-US" dirty="0"/>
+              <a:t>+ </a:t>
+            </a:r>
+            <a:r>
+              <a:rPr lang="en-US" dirty="0" err="1"/>
+              <a:t>Voorspelling</a:t>
+            </a:r>
+            <a:endParaRPr lang="en-US" dirty="0"/>
+          </a:p>
+          <a:p>
+            <a:r>
+              <a:rPr lang="en-US" dirty="0"/>
+              <a:t>- Noise</a:t>
+            </a:r>
+          </a:p>
+          <a:p>
+            <a:endParaRPr lang="nl-BE" dirty="0"/>
+          </a:p>
+        </p:txBody>
+      </p:sp>
+      <p:pic>
+        <p:nvPicPr>
+          <p:cNvPr id="5" name="Picture 4">
+            <a:extLst>
+              <a:ext uri="{FF2B5EF4-FFF2-40B4-BE49-F238E27FC236}">
+                <a16:creationId xmlns:a16="http://schemas.microsoft.com/office/drawing/2014/main" id="{4C50CDBD-C108-4B8F-88A4-63D3604D2A79}"/>
+              </a:ext>
+            </a:extLst>
+          </p:cNvPr>
+          <p:cNvPicPr>
+            <a:picLocks noChangeAspect="1"/>
+          </p:cNvPicPr>
+          <p:nvPr/>
+        </p:nvPicPr>
+        <p:blipFill>
+          <a:blip r:embed="rId2">
+            <a:extLst>
+              <a:ext uri="{28A0092B-C50C-407E-A947-70E740481C1C}">
+                <a14:useLocalDpi xmlns:a14="http://schemas.microsoft.com/office/drawing/2010/main" val="0"/>
+              </a:ext>
+            </a:extLst>
+          </a:blip>
+          <a:stretch>
+            <a:fillRect/>
+          </a:stretch>
+        </p:blipFill>
+        <p:spPr>
+          <a:xfrm>
+            <a:off x="5761149" y="1463295"/>
+            <a:ext cx="6096000" cy="4572000"/>
+          </a:xfrm>
+          <a:prstGeom prst="rect">
+            <a:avLst/>
+          </a:prstGeom>
+        </p:spPr>
+      </p:pic>
+      <p:sp>
+        <p:nvSpPr>
+          <p:cNvPr id="6" name="TextBox 5">
+            <a:extLst>
+              <a:ext uri="{FF2B5EF4-FFF2-40B4-BE49-F238E27FC236}">
+                <a16:creationId xmlns:a16="http://schemas.microsoft.com/office/drawing/2014/main" id="{5B1E8BF7-90E0-444C-A688-2C8F682E9EB6}"/>
+              </a:ext>
+            </a:extLst>
+          </p:cNvPr>
+          <p:cNvSpPr txBox="1"/>
+          <p:nvPr/>
+        </p:nvSpPr>
+        <p:spPr>
+          <a:xfrm>
+            <a:off x="10812694" y="6035295"/>
+            <a:ext cx="1082211" cy="369332"/>
+          </a:xfrm>
+          <a:prstGeom prst="rect">
+            <a:avLst/>
+          </a:prstGeom>
+          <a:noFill/>
+        </p:spPr>
+        <p:txBody>
+          <a:bodyPr wrap="square" rtlCol="0">
+            <a:spAutoFit/>
+          </a:bodyPr>
+          <a:lstStyle/>
+          <a:p>
+            <a:r>
+              <a:rPr lang="en-US" dirty="0"/>
+              <a:t>Forest</a:t>
+            </a:r>
+            <a:endParaRPr lang="nl-BE" dirty="0"/>
           </a:p>
         </p:txBody>
       </p:sp>
     </p:spTree>
     <p:extLst>
       <p:ext uri="{BB962C8B-B14F-4D97-AF65-F5344CB8AC3E}">
-        <p14:creationId xmlns:p14="http://schemas.microsoft.com/office/powerpoint/2010/main" val="169127205"/>
+        <p14:creationId xmlns:p14="http://schemas.microsoft.com/office/powerpoint/2010/main" val="181971166"/>
       </p:ext>
     </p:extLst>
   </p:cSld>
@@ -3730,7 +3911,7 @@
           <p:cNvPr id="2" name="Title 1">
             <a:extLst>
               <a:ext uri="{FF2B5EF4-FFF2-40B4-BE49-F238E27FC236}">
-                <a16:creationId xmlns:a16="http://schemas.microsoft.com/office/drawing/2014/main" id="{526C057D-695D-4878-9C0A-E777844D1954}"/>
+                <a16:creationId xmlns:a16="http://schemas.microsoft.com/office/drawing/2014/main" id="{77E998F8-2FE3-4A17-99BD-75FF147F54C9}"/>
               </a:ext>
             </a:extLst>
           </p:cNvPr>
@@ -3748,7 +3929,7 @@
           <a:p>
             <a:r>
               <a:rPr lang="en-US" dirty="0"/>
-              <a:t>Postprocessing</a:t>
+              <a:t>Passive Aggressive Algorithm</a:t>
             </a:r>
             <a:endParaRPr lang="nl-BE" dirty="0"/>
           </a:p>
@@ -3759,7 +3940,7 @@
           <p:cNvPr id="3" name="Content Placeholder 2">
             <a:extLst>
               <a:ext uri="{FF2B5EF4-FFF2-40B4-BE49-F238E27FC236}">
-                <a16:creationId xmlns:a16="http://schemas.microsoft.com/office/drawing/2014/main" id="{927B8B25-AC6D-43A6-97FD-E5EA033921AA}"/>
+                <a16:creationId xmlns:a16="http://schemas.microsoft.com/office/drawing/2014/main" id="{40F4CBD6-C0C5-444A-95E9-B64CEC27CBE6}"/>
               </a:ext>
             </a:extLst>
           </p:cNvPr>
@@ -3776,29 +3957,34 @@
           <a:lstStyle/>
           <a:p>
             <a:r>
-              <a:rPr lang="nl-BE" dirty="0"/>
-              <a:t>Geen</a:t>
-            </a:r>
-          </a:p>
-          <a:p>
-            <a:r>
-              <a:rPr lang="nl-BE" dirty="0"/>
-              <a:t>Gemiddelde</a:t>
-            </a:r>
-          </a:p>
-          <a:p>
-            <a:r>
-              <a:rPr lang="nl-BE" dirty="0" err="1"/>
-              <a:t>Exponential</a:t>
-            </a:r>
-            <a:r>
-              <a:rPr lang="nl-BE" dirty="0"/>
-              <a:t> </a:t>
-            </a:r>
-            <a:r>
-              <a:rPr lang="nl-BE" dirty="0" err="1"/>
-              <a:t>Smoothing</a:t>
-            </a:r>
+              <a:rPr lang="en-US" dirty="0"/>
+              <a:t>+ Training</a:t>
+            </a:r>
+          </a:p>
+          <a:p>
+            <a:r>
+              <a:rPr lang="en-US" dirty="0"/>
+              <a:t>+ </a:t>
+            </a:r>
+            <a:r>
+              <a:rPr lang="en-US" dirty="0" err="1"/>
+              <a:t>Voorspelling</a:t>
+            </a:r>
+            <a:endParaRPr lang="en-US" dirty="0"/>
+          </a:p>
+          <a:p>
+            <a:r>
+              <a:rPr lang="en-US" dirty="0"/>
+              <a:t>+ On-line</a:t>
+            </a:r>
+          </a:p>
+          <a:p>
+            <a:r>
+              <a:rPr lang="en-US" dirty="0"/>
+              <a:t>- Noise</a:t>
+            </a:r>
+          </a:p>
+          <a:p>
             <a:endParaRPr lang="nl-BE" dirty="0"/>
           </a:p>
         </p:txBody>
@@ -3806,7 +3992,7 @@
     </p:spTree>
     <p:extLst>
       <p:ext uri="{BB962C8B-B14F-4D97-AF65-F5344CB8AC3E}">
-        <p14:creationId xmlns:p14="http://schemas.microsoft.com/office/powerpoint/2010/main" val="980551028"/>
+        <p14:creationId xmlns:p14="http://schemas.microsoft.com/office/powerpoint/2010/main" val="421549349"/>
       </p:ext>
     </p:extLst>
   </p:cSld>
@@ -3835,6 +4021,213 @@
       </p:grpSpPr>
       <p:sp>
         <p:nvSpPr>
+          <p:cNvPr id="2" name="Titel 1">
+            <a:extLst>
+              <a:ext uri="{FF2B5EF4-FFF2-40B4-BE49-F238E27FC236}">
+                <a16:creationId xmlns:a16="http://schemas.microsoft.com/office/drawing/2014/main" id="{5290C4C4-4AB5-4D81-83CA-4D0BD30EFD27}"/>
+              </a:ext>
+            </a:extLst>
+          </p:cNvPr>
+          <p:cNvSpPr>
+            <a:spLocks noGrp="1"/>
+          </p:cNvSpPr>
+          <p:nvPr>
+            <p:ph type="title"/>
+          </p:nvPr>
+        </p:nvSpPr>
+        <p:spPr/>
+        <p:txBody>
+          <a:bodyPr/>
+          <a:lstStyle/>
+          <a:p>
+            <a:r>
+              <a:rPr lang="en-GB" dirty="0" err="1"/>
+              <a:t>Vergelijking</a:t>
+            </a:r>
+            <a:endParaRPr lang="en-GB" dirty="0"/>
+          </a:p>
+        </p:txBody>
+      </p:sp>
+      <p:sp>
+        <p:nvSpPr>
+          <p:cNvPr id="3" name="Tijdelijke aanduiding voor inhoud 2">
+            <a:extLst>
+              <a:ext uri="{FF2B5EF4-FFF2-40B4-BE49-F238E27FC236}">
+                <a16:creationId xmlns:a16="http://schemas.microsoft.com/office/drawing/2014/main" id="{2F7EEEE3-E309-4B6C-87AC-7E98E111F4CC}"/>
+              </a:ext>
+            </a:extLst>
+          </p:cNvPr>
+          <p:cNvSpPr>
+            <a:spLocks noGrp="1"/>
+          </p:cNvSpPr>
+          <p:nvPr>
+            <p:ph idx="1"/>
+          </p:nvPr>
+        </p:nvSpPr>
+        <p:spPr/>
+        <p:txBody>
+          <a:bodyPr/>
+          <a:lstStyle/>
+          <a:p>
+            <a:r>
+              <a:rPr lang="en-GB" dirty="0" err="1"/>
+              <a:t>Foto’s</a:t>
+            </a:r>
+            <a:r>
+              <a:rPr lang="en-GB" dirty="0"/>
+              <a:t> van </a:t>
+            </a:r>
+            <a:r>
+              <a:rPr lang="en-GB" dirty="0" err="1"/>
+              <a:t>mse</a:t>
+            </a:r>
+            <a:r>
+              <a:rPr lang="en-GB" dirty="0"/>
+              <a:t> &amp;&amp; accuracy</a:t>
+            </a:r>
+          </a:p>
+        </p:txBody>
+      </p:sp>
+    </p:spTree>
+    <p:extLst>
+      <p:ext uri="{BB962C8B-B14F-4D97-AF65-F5344CB8AC3E}">
+        <p14:creationId xmlns:p14="http://schemas.microsoft.com/office/powerpoint/2010/main" val="169127205"/>
+      </p:ext>
+    </p:extLst>
+  </p:cSld>
+  <p:clrMapOvr>
+    <a:masterClrMapping/>
+  </p:clrMapOvr>
+</p:sld>
+</file>
+
+<file path=ppt/slides/slide14.xml><?xml version="1.0" encoding="utf-8"?>
+<p:sld xmlns:a="http://schemas.openxmlformats.org/drawingml/2006/main" xmlns:r="http://schemas.openxmlformats.org/officeDocument/2006/relationships" xmlns:p="http://schemas.openxmlformats.org/presentationml/2006/main">
+  <p:cSld>
+    <p:spTree>
+      <p:nvGrpSpPr>
+        <p:cNvPr id="1" name=""/>
+        <p:cNvGrpSpPr/>
+        <p:nvPr/>
+      </p:nvGrpSpPr>
+      <p:grpSpPr>
+        <a:xfrm>
+          <a:off x="0" y="0"/>
+          <a:ext cx="0" cy="0"/>
+          <a:chOff x="0" y="0"/>
+          <a:chExt cx="0" cy="0"/>
+        </a:xfrm>
+      </p:grpSpPr>
+      <p:sp>
+        <p:nvSpPr>
+          <p:cNvPr id="2" name="Title 1">
+            <a:extLst>
+              <a:ext uri="{FF2B5EF4-FFF2-40B4-BE49-F238E27FC236}">
+                <a16:creationId xmlns:a16="http://schemas.microsoft.com/office/drawing/2014/main" id="{526C057D-695D-4878-9C0A-E777844D1954}"/>
+              </a:ext>
+            </a:extLst>
+          </p:cNvPr>
+          <p:cNvSpPr>
+            <a:spLocks noGrp="1"/>
+          </p:cNvSpPr>
+          <p:nvPr>
+            <p:ph type="title"/>
+          </p:nvPr>
+        </p:nvSpPr>
+        <p:spPr/>
+        <p:txBody>
+          <a:bodyPr/>
+          <a:lstStyle/>
+          <a:p>
+            <a:r>
+              <a:rPr lang="en-US" dirty="0"/>
+              <a:t>Postprocessing</a:t>
+            </a:r>
+            <a:endParaRPr lang="nl-BE" dirty="0"/>
+          </a:p>
+        </p:txBody>
+      </p:sp>
+      <p:sp>
+        <p:nvSpPr>
+          <p:cNvPr id="3" name="Content Placeholder 2">
+            <a:extLst>
+              <a:ext uri="{FF2B5EF4-FFF2-40B4-BE49-F238E27FC236}">
+                <a16:creationId xmlns:a16="http://schemas.microsoft.com/office/drawing/2014/main" id="{927B8B25-AC6D-43A6-97FD-E5EA033921AA}"/>
+              </a:ext>
+            </a:extLst>
+          </p:cNvPr>
+          <p:cNvSpPr>
+            <a:spLocks noGrp="1"/>
+          </p:cNvSpPr>
+          <p:nvPr>
+            <p:ph idx="1"/>
+          </p:nvPr>
+        </p:nvSpPr>
+        <p:spPr/>
+        <p:txBody>
+          <a:bodyPr/>
+          <a:lstStyle/>
+          <a:p>
+            <a:r>
+              <a:rPr lang="nl-BE" dirty="0"/>
+              <a:t>Geen</a:t>
+            </a:r>
+          </a:p>
+          <a:p>
+            <a:r>
+              <a:rPr lang="nl-BE" dirty="0"/>
+              <a:t>Gemiddelde</a:t>
+            </a:r>
+          </a:p>
+          <a:p>
+            <a:r>
+              <a:rPr lang="nl-BE" dirty="0" err="1"/>
+              <a:t>Exponential</a:t>
+            </a:r>
+            <a:r>
+              <a:rPr lang="nl-BE" dirty="0"/>
+              <a:t> </a:t>
+            </a:r>
+            <a:r>
+              <a:rPr lang="nl-BE" dirty="0" err="1"/>
+              <a:t>Smoothing</a:t>
+            </a:r>
+            <a:endParaRPr lang="nl-BE" dirty="0"/>
+          </a:p>
+        </p:txBody>
+      </p:sp>
+    </p:spTree>
+    <p:extLst>
+      <p:ext uri="{BB962C8B-B14F-4D97-AF65-F5344CB8AC3E}">
+        <p14:creationId xmlns:p14="http://schemas.microsoft.com/office/powerpoint/2010/main" val="980551028"/>
+      </p:ext>
+    </p:extLst>
+  </p:cSld>
+  <p:clrMapOvr>
+    <a:masterClrMapping/>
+  </p:clrMapOvr>
+</p:sld>
+</file>
+
+<file path=ppt/slides/slide15.xml><?xml version="1.0" encoding="utf-8"?>
+<p:sld xmlns:a="http://schemas.openxmlformats.org/drawingml/2006/main" xmlns:r="http://schemas.openxmlformats.org/officeDocument/2006/relationships" xmlns:p="http://schemas.openxmlformats.org/presentationml/2006/main">
+  <p:cSld>
+    <p:spTree>
+      <p:nvGrpSpPr>
+        <p:cNvPr id="1" name=""/>
+        <p:cNvGrpSpPr/>
+        <p:nvPr/>
+      </p:nvGrpSpPr>
+      <p:grpSpPr>
+        <a:xfrm>
+          <a:off x="0" y="0"/>
+          <a:ext cx="0" cy="0"/>
+          <a:chOff x="0" y="0"/>
+          <a:chExt cx="0" cy="0"/>
+        </a:xfrm>
+      </p:grpSpPr>
+      <p:sp>
+        <p:nvSpPr>
           <p:cNvPr id="2" name="Title 1">
             <a:extLst>
               <a:ext uri="{FF2B5EF4-FFF2-40B4-BE49-F238E27FC236}">
@@ -3947,7 +4340,7 @@
 </p:sld>
 </file>
 
-<file path=ppt/slides/slide14.xml><?xml version="1.0" encoding="utf-8"?>
+<file path=ppt/slides/slide16.xml><?xml version="1.0" encoding="utf-8"?>
 <p:sld xmlns:a="http://schemas.openxmlformats.org/drawingml/2006/main" xmlns:r="http://schemas.openxmlformats.org/officeDocument/2006/relationships" xmlns:p="http://schemas.openxmlformats.org/presentationml/2006/main">
   <p:cSld>
     <p:spTree>
@@ -4114,10 +4507,10 @@
       </p:grpSpPr>
       <p:sp>
         <p:nvSpPr>
-          <p:cNvPr id="2" name="Title 1">
-            <a:extLst>
-              <a:ext uri="{FF2B5EF4-FFF2-40B4-BE49-F238E27FC236}">
-                <a16:creationId xmlns:a16="http://schemas.microsoft.com/office/drawing/2014/main" id="{B294EC51-1655-4813-AD6C-3F371E4E323B}"/>
+          <p:cNvPr id="2" name="Titel 1">
+            <a:extLst>
+              <a:ext uri="{FF2B5EF4-FFF2-40B4-BE49-F238E27FC236}">
+                <a16:creationId xmlns:a16="http://schemas.microsoft.com/office/drawing/2014/main" id="{07FA6DB2-C58D-41EB-B770-F9194FF51DC9}"/>
               </a:ext>
             </a:extLst>
           </p:cNvPr>
@@ -4133,20 +4526,16 @@
           <a:bodyPr/>
           <a:lstStyle/>
           <a:p>
-            <a:r>
-              <a:rPr lang="en-US" dirty="0" err="1"/>
-              <a:t>Onderzoeksdoel</a:t>
-            </a:r>
-            <a:endParaRPr lang="nl-BE" dirty="0"/>
-          </a:p>
-        </p:txBody>
-      </p:sp>
-      <p:sp>
-        <p:nvSpPr>
-          <p:cNvPr id="3" name="Content Placeholder 2">
-            <a:extLst>
-              <a:ext uri="{FF2B5EF4-FFF2-40B4-BE49-F238E27FC236}">
-                <a16:creationId xmlns:a16="http://schemas.microsoft.com/office/drawing/2014/main" id="{2C4532A9-BE4C-4A07-8FE7-F3E3D627FE9E}"/>
+            <a:endParaRPr lang="en-GB"/>
+          </a:p>
+        </p:txBody>
+      </p:sp>
+      <p:sp>
+        <p:nvSpPr>
+          <p:cNvPr id="3" name="Tijdelijke aanduiding voor inhoud 2">
+            <a:extLst>
+              <a:ext uri="{FF2B5EF4-FFF2-40B4-BE49-F238E27FC236}">
+                <a16:creationId xmlns:a16="http://schemas.microsoft.com/office/drawing/2014/main" id="{E6583585-18A4-4893-8F03-9DDA0C6150D9}"/>
               </a:ext>
             </a:extLst>
           </p:cNvPr>
@@ -4163,60 +4552,25 @@
           <a:lstStyle/>
           <a:p>
             <a:r>
-              <a:rPr lang="en-US" dirty="0" err="1"/>
-              <a:t>Voorspellen</a:t>
-            </a:r>
-            <a:r>
-              <a:rPr lang="en-US" dirty="0"/>
+              <a:rPr lang="en-GB" dirty="0" err="1"/>
+              <a:t>Echt</a:t>
+            </a:r>
+            <a:r>
+              <a:rPr lang="en-GB" dirty="0"/>
               <a:t> </a:t>
             </a:r>
             <a:r>
-              <a:rPr lang="en-US" dirty="0" err="1"/>
-              <a:t>optimale</a:t>
-            </a:r>
-            <a:r>
-              <a:rPr lang="en-US" dirty="0"/>
-              <a:t> rpm</a:t>
-            </a:r>
-          </a:p>
-          <a:p>
-            <a:r>
-              <a:rPr lang="en-US" dirty="0" err="1"/>
-              <a:t>Cadans</a:t>
-            </a:r>
-            <a:r>
-              <a:rPr lang="en-US" dirty="0"/>
-              <a:t> </a:t>
-            </a:r>
-            <a:r>
-              <a:rPr lang="en-US" dirty="0">
-                <a:sym typeface="Wingdings" panose="05000000000000000000" pitchFamily="2" charset="2"/>
-              </a:rPr>
-              <a:t> FCC  </a:t>
-            </a:r>
-            <a:r>
-              <a:rPr lang="en-US" dirty="0" err="1">
-                <a:sym typeface="Wingdings" panose="05000000000000000000" pitchFamily="2" charset="2"/>
-              </a:rPr>
-              <a:t>optimale</a:t>
-            </a:r>
-            <a:r>
-              <a:rPr lang="en-US" dirty="0">
-                <a:sym typeface="Wingdings" panose="05000000000000000000" pitchFamily="2" charset="2"/>
-              </a:rPr>
-              <a:t> rpm</a:t>
-            </a:r>
-            <a:endParaRPr lang="en-US" dirty="0"/>
-          </a:p>
-          <a:p>
-            <a:endParaRPr lang="nl-BE" dirty="0"/>
+              <a:rPr lang="en-GB" dirty="0" err="1"/>
+              <a:t>probleem</a:t>
+            </a:r>
+            <a:endParaRPr lang="en-GB" dirty="0"/>
           </a:p>
         </p:txBody>
       </p:sp>
     </p:spTree>
     <p:extLst>
       <p:ext uri="{BB962C8B-B14F-4D97-AF65-F5344CB8AC3E}">
-        <p14:creationId xmlns:p14="http://schemas.microsoft.com/office/powerpoint/2010/main" val="3259472126"/>
+        <p14:creationId xmlns:p14="http://schemas.microsoft.com/office/powerpoint/2010/main" val="4223098379"/>
       </p:ext>
     </p:extLst>
   </p:cSld>
@@ -4245,6 +4599,299 @@
       </p:grpSpPr>
       <p:sp>
         <p:nvSpPr>
+          <p:cNvPr id="2" name="Titel 1">
+            <a:extLst>
+              <a:ext uri="{FF2B5EF4-FFF2-40B4-BE49-F238E27FC236}">
+                <a16:creationId xmlns:a16="http://schemas.microsoft.com/office/drawing/2014/main" id="{9FFE4819-A1B1-4A6C-9E23-F9816F6A13F4}"/>
+              </a:ext>
+            </a:extLst>
+          </p:cNvPr>
+          <p:cNvSpPr>
+            <a:spLocks noGrp="1"/>
+          </p:cNvSpPr>
+          <p:nvPr>
+            <p:ph type="title"/>
+          </p:nvPr>
+        </p:nvSpPr>
+        <p:spPr/>
+        <p:txBody>
+          <a:bodyPr/>
+          <a:lstStyle/>
+          <a:p>
+            <a:r>
+              <a:rPr lang="en-GB" dirty="0" err="1"/>
+              <a:t>Introductie</a:t>
+            </a:r>
+            <a:endParaRPr lang="en-GB" dirty="0"/>
+          </a:p>
+        </p:txBody>
+      </p:sp>
+      <p:sp>
+        <p:nvSpPr>
+          <p:cNvPr id="3" name="Tijdelijke aanduiding voor inhoud 2">
+            <a:extLst>
+              <a:ext uri="{FF2B5EF4-FFF2-40B4-BE49-F238E27FC236}">
+                <a16:creationId xmlns:a16="http://schemas.microsoft.com/office/drawing/2014/main" id="{CA61F4A2-E2DB-45F1-92A7-0E31603320F0}"/>
+              </a:ext>
+            </a:extLst>
+          </p:cNvPr>
+          <p:cNvSpPr>
+            <a:spLocks noGrp="1"/>
+          </p:cNvSpPr>
+          <p:nvPr>
+            <p:ph idx="1"/>
+          </p:nvPr>
+        </p:nvSpPr>
+        <p:spPr/>
+        <p:txBody>
+          <a:bodyPr/>
+          <a:lstStyle/>
+          <a:p>
+            <a:r>
+              <a:rPr lang="en-GB" dirty="0" err="1"/>
+              <a:t>Fiets</a:t>
+            </a:r>
+            <a:r>
+              <a:rPr lang="en-GB" dirty="0"/>
+              <a:t> </a:t>
+            </a:r>
+            <a:r>
+              <a:rPr lang="en-GB" dirty="0" err="1"/>
+              <a:t>genereert</a:t>
+            </a:r>
+            <a:r>
+              <a:rPr lang="en-GB" dirty="0"/>
+              <a:t> data</a:t>
+            </a:r>
+          </a:p>
+          <a:p>
+            <a:pPr lvl="1"/>
+            <a:r>
+              <a:rPr lang="en-GB" dirty="0" err="1"/>
+              <a:t>Snelheid</a:t>
+            </a:r>
+            <a:endParaRPr lang="en-GB" dirty="0"/>
+          </a:p>
+          <a:p>
+            <a:pPr lvl="1"/>
+            <a:r>
+              <a:rPr lang="en-GB" dirty="0"/>
+              <a:t>Hoek van </a:t>
+            </a:r>
+            <a:r>
+              <a:rPr lang="en-GB" dirty="0" err="1"/>
+              <a:t>trapas</a:t>
+            </a:r>
+            <a:endParaRPr lang="en-GB" dirty="0"/>
+          </a:p>
+          <a:p>
+            <a:pPr lvl="1"/>
+            <a:r>
+              <a:rPr lang="en-GB" dirty="0" err="1"/>
+              <a:t>Vermogen</a:t>
+            </a:r>
+            <a:r>
+              <a:rPr lang="en-GB" dirty="0"/>
+              <a:t> motor op </a:t>
+            </a:r>
+            <a:r>
+              <a:rPr lang="en-GB" dirty="0" err="1"/>
+              <a:t>voor</a:t>
+            </a:r>
+            <a:r>
+              <a:rPr lang="en-GB" dirty="0"/>
+              <a:t>- </a:t>
+            </a:r>
+            <a:r>
+              <a:rPr lang="en-GB" dirty="0" err="1"/>
+              <a:t>en</a:t>
+            </a:r>
+            <a:r>
+              <a:rPr lang="en-GB" dirty="0"/>
+              <a:t> </a:t>
+            </a:r>
+            <a:r>
+              <a:rPr lang="en-GB" dirty="0" err="1"/>
+              <a:t>achterwiel</a:t>
+            </a:r>
+            <a:endParaRPr lang="en-GB" dirty="0"/>
+          </a:p>
+          <a:p>
+            <a:pPr lvl="1"/>
+            <a:r>
+              <a:rPr lang="en-GB" dirty="0"/>
+              <a:t>…</a:t>
+            </a:r>
+          </a:p>
+          <a:p>
+            <a:pPr lvl="1"/>
+            <a:endParaRPr lang="en-GB" dirty="0"/>
+          </a:p>
+        </p:txBody>
+      </p:sp>
+    </p:spTree>
+    <p:extLst>
+      <p:ext uri="{BB962C8B-B14F-4D97-AF65-F5344CB8AC3E}">
+        <p14:creationId xmlns:p14="http://schemas.microsoft.com/office/powerpoint/2010/main" val="2070878085"/>
+      </p:ext>
+    </p:extLst>
+  </p:cSld>
+  <p:clrMapOvr>
+    <a:masterClrMapping/>
+  </p:clrMapOvr>
+</p:sld>
+</file>
+
+<file path=ppt/slides/slide4.xml><?xml version="1.0" encoding="utf-8"?>
+<p:sld xmlns:a="http://schemas.openxmlformats.org/drawingml/2006/main" xmlns:r="http://schemas.openxmlformats.org/officeDocument/2006/relationships" xmlns:p="http://schemas.openxmlformats.org/presentationml/2006/main">
+  <p:cSld>
+    <p:spTree>
+      <p:nvGrpSpPr>
+        <p:cNvPr id="1" name=""/>
+        <p:cNvGrpSpPr/>
+        <p:nvPr/>
+      </p:nvGrpSpPr>
+      <p:grpSpPr>
+        <a:xfrm>
+          <a:off x="0" y="0"/>
+          <a:ext cx="0" cy="0"/>
+          <a:chOff x="0" y="0"/>
+          <a:chExt cx="0" cy="0"/>
+        </a:xfrm>
+      </p:grpSpPr>
+      <p:sp>
+        <p:nvSpPr>
+          <p:cNvPr id="2" name="Title 1">
+            <a:extLst>
+              <a:ext uri="{FF2B5EF4-FFF2-40B4-BE49-F238E27FC236}">
+                <a16:creationId xmlns:a16="http://schemas.microsoft.com/office/drawing/2014/main" id="{B294EC51-1655-4813-AD6C-3F371E4E323B}"/>
+              </a:ext>
+            </a:extLst>
+          </p:cNvPr>
+          <p:cNvSpPr>
+            <a:spLocks noGrp="1"/>
+          </p:cNvSpPr>
+          <p:nvPr>
+            <p:ph type="title"/>
+          </p:nvPr>
+        </p:nvSpPr>
+        <p:spPr/>
+        <p:txBody>
+          <a:bodyPr/>
+          <a:lstStyle/>
+          <a:p>
+            <a:r>
+              <a:rPr lang="en-US" dirty="0" err="1"/>
+              <a:t>Onderzoeksdoel</a:t>
+            </a:r>
+            <a:endParaRPr lang="nl-BE" dirty="0"/>
+          </a:p>
+        </p:txBody>
+      </p:sp>
+      <p:sp>
+        <p:nvSpPr>
+          <p:cNvPr id="3" name="Content Placeholder 2">
+            <a:extLst>
+              <a:ext uri="{FF2B5EF4-FFF2-40B4-BE49-F238E27FC236}">
+                <a16:creationId xmlns:a16="http://schemas.microsoft.com/office/drawing/2014/main" id="{2C4532A9-BE4C-4A07-8FE7-F3E3D627FE9E}"/>
+              </a:ext>
+            </a:extLst>
+          </p:cNvPr>
+          <p:cNvSpPr>
+            <a:spLocks noGrp="1"/>
+          </p:cNvSpPr>
+          <p:nvPr>
+            <p:ph idx="1"/>
+          </p:nvPr>
+        </p:nvSpPr>
+        <p:spPr/>
+        <p:txBody>
+          <a:bodyPr/>
+          <a:lstStyle/>
+          <a:p>
+            <a:r>
+              <a:rPr lang="en-US" dirty="0" err="1"/>
+              <a:t>Voorspellen</a:t>
+            </a:r>
+            <a:r>
+              <a:rPr lang="en-US" dirty="0"/>
+              <a:t> </a:t>
+            </a:r>
+            <a:r>
+              <a:rPr lang="en-US" dirty="0" err="1"/>
+              <a:t>optimale</a:t>
+            </a:r>
+            <a:r>
+              <a:rPr lang="en-US" dirty="0"/>
+              <a:t> rpm</a:t>
+            </a:r>
+          </a:p>
+          <a:p>
+            <a:r>
+              <a:rPr lang="en-US" dirty="0" err="1"/>
+              <a:t>Cadans</a:t>
+            </a:r>
+            <a:r>
+              <a:rPr lang="en-US" dirty="0"/>
+              <a:t> </a:t>
+            </a:r>
+            <a:r>
+              <a:rPr lang="en-US" dirty="0">
+                <a:sym typeface="Wingdings" panose="05000000000000000000" pitchFamily="2" charset="2"/>
+              </a:rPr>
+              <a:t> FCC  </a:t>
+            </a:r>
+            <a:r>
+              <a:rPr lang="en-US" dirty="0" err="1">
+                <a:sym typeface="Wingdings" panose="05000000000000000000" pitchFamily="2" charset="2"/>
+              </a:rPr>
+              <a:t>optimale</a:t>
+            </a:r>
+            <a:r>
+              <a:rPr lang="en-US" dirty="0">
+                <a:sym typeface="Wingdings" panose="05000000000000000000" pitchFamily="2" charset="2"/>
+              </a:rPr>
+              <a:t> rpm</a:t>
+            </a:r>
+            <a:endParaRPr lang="en-US" dirty="0"/>
+          </a:p>
+          <a:p>
+            <a:endParaRPr lang="nl-BE" dirty="0"/>
+          </a:p>
+        </p:txBody>
+      </p:sp>
+    </p:spTree>
+    <p:extLst>
+      <p:ext uri="{BB962C8B-B14F-4D97-AF65-F5344CB8AC3E}">
+        <p14:creationId xmlns:p14="http://schemas.microsoft.com/office/powerpoint/2010/main" val="3259472126"/>
+      </p:ext>
+    </p:extLst>
+  </p:cSld>
+  <p:clrMapOvr>
+    <a:masterClrMapping/>
+  </p:clrMapOvr>
+</p:sld>
+</file>
+
+<file path=ppt/slides/slide5.xml><?xml version="1.0" encoding="utf-8"?>
+<p:sld xmlns:a="http://schemas.openxmlformats.org/drawingml/2006/main" xmlns:r="http://schemas.openxmlformats.org/officeDocument/2006/relationships" xmlns:p="http://schemas.openxmlformats.org/presentationml/2006/main">
+  <p:cSld>
+    <p:spTree>
+      <p:nvGrpSpPr>
+        <p:cNvPr id="1" name=""/>
+        <p:cNvGrpSpPr/>
+        <p:nvPr/>
+      </p:nvGrpSpPr>
+      <p:grpSpPr>
+        <a:xfrm>
+          <a:off x="0" y="0"/>
+          <a:ext cx="0" cy="0"/>
+          <a:chOff x="0" y="0"/>
+          <a:chExt cx="0" cy="0"/>
+        </a:xfrm>
+      </p:grpSpPr>
+      <p:sp>
+        <p:nvSpPr>
           <p:cNvPr id="2" name="Title 1">
             <a:extLst>
               <a:ext uri="{FF2B5EF4-FFF2-40B4-BE49-F238E27FC236}">
@@ -4282,7 +4929,23 @@
             </a:r>
             <a:r>
               <a:rPr lang="en-US" dirty="0"/>
-              <a:t>?</a:t>
+              <a:t>? (</a:t>
+            </a:r>
+            <a:r>
+              <a:rPr lang="en-US" dirty="0" err="1"/>
+              <a:t>dieper</a:t>
+            </a:r>
+            <a:r>
+              <a:rPr lang="en-US" dirty="0"/>
+              <a:t> op </a:t>
+            </a:r>
+            <a:r>
+              <a:rPr lang="en-US" dirty="0" err="1"/>
+              <a:t>ingaan</a:t>
+            </a:r>
+            <a:r>
+              <a:rPr lang="en-US"/>
+              <a:t>)</a:t>
             </a:r>
             <a:endParaRPr lang="nl-BE" dirty="0"/>
           </a:p>
@@ -4385,226 +5048,6 @@
 </p:sld>
 </file>
 
-<file path=ppt/slides/slide4.xml><?xml version="1.0" encoding="utf-8"?>
-<p:sld xmlns:a="http://schemas.openxmlformats.org/drawingml/2006/main" xmlns:r="http://schemas.openxmlformats.org/officeDocument/2006/relationships" xmlns:p="http://schemas.openxmlformats.org/presentationml/2006/main">
-  <p:cSld>
-    <p:spTree>
-      <p:nvGrpSpPr>
-        <p:cNvPr id="1" name=""/>
-        <p:cNvGrpSpPr/>
-        <p:nvPr/>
-      </p:nvGrpSpPr>
-      <p:grpSpPr>
-        <a:xfrm>
-          <a:off x="0" y="0"/>
-          <a:ext cx="0" cy="0"/>
-          <a:chOff x="0" y="0"/>
-          <a:chExt cx="0" cy="0"/>
-        </a:xfrm>
-      </p:grpSpPr>
-      <p:sp>
-        <p:nvSpPr>
-          <p:cNvPr id="2" name="Title 1">
-            <a:extLst>
-              <a:ext uri="{FF2B5EF4-FFF2-40B4-BE49-F238E27FC236}">
-                <a16:creationId xmlns:a16="http://schemas.microsoft.com/office/drawing/2014/main" id="{3FE7B528-1004-483C-B858-50B7328B49D5}"/>
-              </a:ext>
-            </a:extLst>
-          </p:cNvPr>
-          <p:cNvSpPr>
-            <a:spLocks noGrp="1"/>
-          </p:cNvSpPr>
-          <p:nvPr>
-            <p:ph type="title"/>
-          </p:nvPr>
-        </p:nvSpPr>
-        <p:spPr/>
-        <p:txBody>
-          <a:bodyPr/>
-          <a:lstStyle/>
-          <a:p>
-            <a:r>
-              <a:rPr lang="en-US" dirty="0" err="1"/>
-              <a:t>Fietsers</a:t>
-            </a:r>
-            <a:r>
-              <a:rPr lang="en-US" dirty="0"/>
-              <a:t> model</a:t>
-            </a:r>
-            <a:endParaRPr lang="nl-BE" dirty="0"/>
-          </a:p>
-        </p:txBody>
-      </p:sp>
-      <p:pic>
-        <p:nvPicPr>
-          <p:cNvPr id="5" name="Content Placeholder 4">
-            <a:extLst>
-              <a:ext uri="{FF2B5EF4-FFF2-40B4-BE49-F238E27FC236}">
-                <a16:creationId xmlns:a16="http://schemas.microsoft.com/office/drawing/2014/main" id="{FB3DDE70-D480-4863-95D5-199F9A45D881}"/>
-              </a:ext>
-            </a:extLst>
-          </p:cNvPr>
-          <p:cNvPicPr>
-            <a:picLocks noGrp="1" noChangeAspect="1"/>
-          </p:cNvPicPr>
-          <p:nvPr>
-            <p:ph idx="1"/>
-          </p:nvPr>
-        </p:nvPicPr>
-        <p:blipFill>
-          <a:blip r:embed="rId2">
-            <a:extLst>
-              <a:ext uri="{28A0092B-C50C-407E-A947-70E740481C1C}">
-                <a14:useLocalDpi xmlns:a14="http://schemas.microsoft.com/office/drawing/2010/main" val="0"/>
-              </a:ext>
-            </a:extLst>
-          </a:blip>
-          <a:stretch>
-            <a:fillRect/>
-          </a:stretch>
-        </p:blipFill>
-        <p:spPr>
-          <a:xfrm>
-            <a:off x="2337994" y="1690688"/>
-            <a:ext cx="4351338" cy="4351338"/>
-          </a:xfrm>
-        </p:spPr>
-      </p:pic>
-    </p:spTree>
-    <p:extLst>
-      <p:ext uri="{BB962C8B-B14F-4D97-AF65-F5344CB8AC3E}">
-        <p14:creationId xmlns:p14="http://schemas.microsoft.com/office/powerpoint/2010/main" val="1790768279"/>
-      </p:ext>
-    </p:extLst>
-  </p:cSld>
-  <p:clrMapOvr>
-    <a:masterClrMapping/>
-  </p:clrMapOvr>
-</p:sld>
-</file>
-
-<file path=ppt/slides/slide5.xml><?xml version="1.0" encoding="utf-8"?>
-<p:sld xmlns:a="http://schemas.openxmlformats.org/drawingml/2006/main" xmlns:r="http://schemas.openxmlformats.org/officeDocument/2006/relationships" xmlns:p="http://schemas.openxmlformats.org/presentationml/2006/main">
-  <p:cSld>
-    <p:spTree>
-      <p:nvGrpSpPr>
-        <p:cNvPr id="1" name=""/>
-        <p:cNvGrpSpPr/>
-        <p:nvPr/>
-      </p:nvGrpSpPr>
-      <p:grpSpPr>
-        <a:xfrm>
-          <a:off x="0" y="0"/>
-          <a:ext cx="0" cy="0"/>
-          <a:chOff x="0" y="0"/>
-          <a:chExt cx="0" cy="0"/>
-        </a:xfrm>
-      </p:grpSpPr>
-      <p:sp>
-        <p:nvSpPr>
-          <p:cNvPr id="2" name="Title 1">
-            <a:extLst>
-              <a:ext uri="{FF2B5EF4-FFF2-40B4-BE49-F238E27FC236}">
-                <a16:creationId xmlns:a16="http://schemas.microsoft.com/office/drawing/2014/main" id="{855BE5E0-1093-4D53-ADE0-197CB59D750C}"/>
-              </a:ext>
-            </a:extLst>
-          </p:cNvPr>
-          <p:cNvSpPr>
-            <a:spLocks noGrp="1"/>
-          </p:cNvSpPr>
-          <p:nvPr>
-            <p:ph type="title"/>
-          </p:nvPr>
-        </p:nvSpPr>
-        <p:spPr/>
-        <p:txBody>
-          <a:bodyPr/>
-          <a:lstStyle/>
-          <a:p>
-            <a:r>
-              <a:rPr lang="en-US" dirty="0"/>
-              <a:t>Preprocessing</a:t>
-            </a:r>
-            <a:endParaRPr lang="nl-BE" dirty="0"/>
-          </a:p>
-        </p:txBody>
-      </p:sp>
-      <p:sp>
-        <p:nvSpPr>
-          <p:cNvPr id="3" name="Content Placeholder 2">
-            <a:extLst>
-              <a:ext uri="{FF2B5EF4-FFF2-40B4-BE49-F238E27FC236}">
-                <a16:creationId xmlns:a16="http://schemas.microsoft.com/office/drawing/2014/main" id="{287758CB-CC58-4655-985A-80FE810C1668}"/>
-              </a:ext>
-            </a:extLst>
-          </p:cNvPr>
-          <p:cNvSpPr>
-            <a:spLocks noGrp="1"/>
-          </p:cNvSpPr>
-          <p:nvPr>
-            <p:ph idx="1"/>
-          </p:nvPr>
-        </p:nvSpPr>
-        <p:spPr/>
-        <p:txBody>
-          <a:bodyPr/>
-          <a:lstStyle/>
-          <a:p>
-            <a:r>
-              <a:rPr lang="en-US" dirty="0" err="1"/>
-              <a:t>Sequenties</a:t>
-            </a:r>
-            <a:endParaRPr lang="en-US" dirty="0"/>
-          </a:p>
-          <a:p>
-            <a:r>
-              <a:rPr lang="en-US" dirty="0" err="1"/>
-              <a:t>Normalizeren</a:t>
-            </a:r>
-            <a:r>
-              <a:rPr lang="en-US" dirty="0"/>
-              <a:t>?</a:t>
-            </a:r>
-          </a:p>
-          <a:p>
-            <a:r>
-              <a:rPr lang="en-US" dirty="0"/>
-              <a:t>Hoek van </a:t>
-            </a:r>
-            <a:r>
-              <a:rPr lang="en-US" dirty="0" err="1"/>
-              <a:t>trapas</a:t>
-            </a:r>
-            <a:endParaRPr lang="en-US" dirty="0"/>
-          </a:p>
-          <a:p>
-            <a:r>
-              <a:rPr lang="en-US" dirty="0"/>
-              <a:t>INSERT FOTO HIER</a:t>
-            </a:r>
-          </a:p>
-          <a:p>
-            <a:r>
-              <a:rPr lang="en-US" dirty="0"/>
-              <a:t>Noise</a:t>
-            </a:r>
-            <a:endParaRPr lang="nl-BE" dirty="0"/>
-          </a:p>
-        </p:txBody>
-      </p:sp>
-    </p:spTree>
-    <p:extLst>
-      <p:ext uri="{BB962C8B-B14F-4D97-AF65-F5344CB8AC3E}">
-        <p14:creationId xmlns:p14="http://schemas.microsoft.com/office/powerpoint/2010/main" val="893632003"/>
-      </p:ext>
-    </p:extLst>
-  </p:cSld>
-  <p:clrMapOvr>
-    <a:masterClrMapping/>
-  </p:clrMapOvr>
-</p:sld>
-</file>
-
 <file path=ppt/slides/slide6.xml><?xml version="1.0" encoding="utf-8"?>
 <p:sld xmlns:a="http://schemas.openxmlformats.org/drawingml/2006/main" xmlns:r="http://schemas.openxmlformats.org/officeDocument/2006/relationships" xmlns:p="http://schemas.openxmlformats.org/presentationml/2006/main">
   <p:cSld>
@@ -4627,7 +5070,7 @@
           <p:cNvPr id="2" name="Title 1">
             <a:extLst>
               <a:ext uri="{FF2B5EF4-FFF2-40B4-BE49-F238E27FC236}">
-                <a16:creationId xmlns:a16="http://schemas.microsoft.com/office/drawing/2014/main" id="{F07E3388-8EBD-48BA-A69F-52F2A4FC4ED2}"/>
+                <a16:creationId xmlns:a16="http://schemas.microsoft.com/office/drawing/2014/main" id="{3FE7B528-1004-483C-B858-50B7328B49D5}"/>
               </a:ext>
             </a:extLst>
           </p:cNvPr>
@@ -4644,75 +5087,32 @@
           <a:lstStyle/>
           <a:p>
             <a:r>
+              <a:rPr lang="en-US" dirty="0" err="1"/>
+              <a:t>Fietsers</a:t>
+            </a:r>
+            <a:r>
               <a:rPr lang="en-US" dirty="0"/>
-              <a:t>Noise</a:t>
+              <a:t> model</a:t>
             </a:r>
             <a:endParaRPr lang="nl-BE" dirty="0"/>
-          </a:p>
-        </p:txBody>
-      </p:sp>
-      <p:sp>
-        <p:nvSpPr>
-          <p:cNvPr id="3" name="Content Placeholder 2">
-            <a:extLst>
-              <a:ext uri="{FF2B5EF4-FFF2-40B4-BE49-F238E27FC236}">
-                <a16:creationId xmlns:a16="http://schemas.microsoft.com/office/drawing/2014/main" id="{B996DFD8-2EB7-4CF8-912E-A86C16C09E8D}"/>
-              </a:ext>
-            </a:extLst>
-          </p:cNvPr>
-          <p:cNvSpPr>
-            <a:spLocks noGrp="1"/>
-          </p:cNvSpPr>
-          <p:nvPr>
-            <p:ph idx="1"/>
-          </p:nvPr>
-        </p:nvSpPr>
-        <p:spPr/>
-        <p:txBody>
-          <a:bodyPr/>
-          <a:lstStyle/>
-          <a:p>
-            <a:r>
-              <a:rPr lang="en-US" dirty="0"/>
-              <a:t>Fast Fourier </a:t>
-            </a:r>
-            <a:r>
-              <a:rPr lang="en-US" dirty="0" err="1"/>
-              <a:t>Transformatie</a:t>
-            </a:r>
-            <a:endParaRPr lang="en-US" dirty="0"/>
-          </a:p>
-          <a:p>
-            <a:r>
-              <a:rPr lang="en-US" dirty="0" err="1"/>
-              <a:t>Weg</a:t>
-            </a:r>
-            <a:r>
-              <a:rPr lang="en-US" dirty="0"/>
-              <a:t> 20Hz</a:t>
-            </a:r>
-          </a:p>
-          <a:p>
-            <a:r>
-              <a:rPr lang="en-US" dirty="0"/>
-              <a:t>Motor 13000+Hz</a:t>
-            </a:r>
           </a:p>
         </p:txBody>
       </p:sp>
       <p:pic>
         <p:nvPicPr>
-          <p:cNvPr id="5" name="Picture 4">
-            <a:extLst>
-              <a:ext uri="{FF2B5EF4-FFF2-40B4-BE49-F238E27FC236}">
-                <a16:creationId xmlns:a16="http://schemas.microsoft.com/office/drawing/2014/main" id="{5C762992-78B9-47AF-97F5-C82E92B0CAE9}"/>
+          <p:cNvPr id="5" name="Content Placeholder 4">
+            <a:extLst>
+              <a:ext uri="{FF2B5EF4-FFF2-40B4-BE49-F238E27FC236}">
+                <a16:creationId xmlns:a16="http://schemas.microsoft.com/office/drawing/2014/main" id="{FB3DDE70-D480-4863-95D5-199F9A45D881}"/>
               </a:ext>
             </a:extLst>
           </p:cNvPr>
           <p:cNvPicPr>
-            <a:picLocks noChangeAspect="1"/>
+            <a:picLocks noGrp="1" noChangeAspect="1"/>
           </p:cNvPicPr>
-          <p:nvPr/>
+          <p:nvPr>
+            <p:ph idx="1"/>
+          </p:nvPr>
         </p:nvPicPr>
         <p:blipFill>
           <a:blip r:embed="rId2">
@@ -4728,18 +5128,15 @@
         </p:blipFill>
         <p:spPr>
           <a:xfrm>
-            <a:off x="4959850" y="1235613"/>
-            <a:ext cx="6096000" cy="4572000"/>
+            <a:off x="7002462" y="762220"/>
+            <a:ext cx="4351338" cy="4351338"/>
           </a:xfrm>
-          <a:prstGeom prst="rect">
-            <a:avLst/>
-          </a:prstGeom>
         </p:spPr>
       </p:pic>
     </p:spTree>
     <p:extLst>
       <p:ext uri="{BB962C8B-B14F-4D97-AF65-F5344CB8AC3E}">
-        <p14:creationId xmlns:p14="http://schemas.microsoft.com/office/powerpoint/2010/main" val="1282063766"/>
+        <p14:creationId xmlns:p14="http://schemas.microsoft.com/office/powerpoint/2010/main" val="1790768279"/>
       </p:ext>
     </p:extLst>
   </p:cSld>
@@ -4771,7 +5168,7 @@
           <p:cNvPr id="2" name="Title 1">
             <a:extLst>
               <a:ext uri="{FF2B5EF4-FFF2-40B4-BE49-F238E27FC236}">
-                <a16:creationId xmlns:a16="http://schemas.microsoft.com/office/drawing/2014/main" id="{D9FEA1FE-4890-49B8-8564-9AC90B07E1F9}"/>
+                <a16:creationId xmlns:a16="http://schemas.microsoft.com/office/drawing/2014/main" id="{855BE5E0-1093-4D53-ADE0-197CB59D750C}"/>
               </a:ext>
             </a:extLst>
           </p:cNvPr>
@@ -4788,49 +5185,74 @@
           <a:lstStyle/>
           <a:p>
             <a:r>
+              <a:rPr lang="en-US" dirty="0"/>
+              <a:t>Preprocessing</a:t>
+            </a:r>
+            <a:endParaRPr lang="nl-BE" dirty="0"/>
+          </a:p>
+        </p:txBody>
+      </p:sp>
+      <p:sp>
+        <p:nvSpPr>
+          <p:cNvPr id="3" name="Content Placeholder 2">
+            <a:extLst>
+              <a:ext uri="{FF2B5EF4-FFF2-40B4-BE49-F238E27FC236}">
+                <a16:creationId xmlns:a16="http://schemas.microsoft.com/office/drawing/2014/main" id="{287758CB-CC58-4655-985A-80FE810C1668}"/>
+              </a:ext>
+            </a:extLst>
+          </p:cNvPr>
+          <p:cNvSpPr>
+            <a:spLocks noGrp="1"/>
+          </p:cNvSpPr>
+          <p:nvPr>
+            <p:ph idx="1"/>
+          </p:nvPr>
+        </p:nvSpPr>
+        <p:spPr/>
+        <p:txBody>
+          <a:bodyPr/>
+          <a:lstStyle/>
+          <a:p>
+            <a:r>
               <a:rPr lang="en-US" dirty="0" err="1"/>
-              <a:t>Modellen</a:t>
-            </a:r>
-            <a:endParaRPr lang="nl-BE" dirty="0"/>
-          </a:p>
-        </p:txBody>
-      </p:sp>
-      <p:sp>
-        <p:nvSpPr>
-          <p:cNvPr id="3" name="Content Placeholder 2">
-            <a:extLst>
-              <a:ext uri="{FF2B5EF4-FFF2-40B4-BE49-F238E27FC236}">
-                <a16:creationId xmlns:a16="http://schemas.microsoft.com/office/drawing/2014/main" id="{6AEFA455-E7CD-4675-9B09-3EFA5BDB4F93}"/>
-              </a:ext>
-            </a:extLst>
-          </p:cNvPr>
-          <p:cNvSpPr>
-            <a:spLocks noGrp="1"/>
-          </p:cNvSpPr>
-          <p:nvPr>
-            <p:ph idx="1"/>
-          </p:nvPr>
-        </p:nvSpPr>
-        <p:spPr/>
-        <p:txBody>
-          <a:bodyPr/>
-          <a:lstStyle/>
-          <a:p>
+              <a:t>Sequenties</a:t>
+            </a:r>
             <a:r>
               <a:rPr lang="en-US" dirty="0"/>
-              <a:t>LSTM</a:t>
-            </a:r>
-          </a:p>
-          <a:p>
+              <a:t> (input)</a:t>
+            </a:r>
+          </a:p>
+          <a:p>
+            <a:r>
+              <a:rPr lang="en-US" dirty="0" err="1"/>
+              <a:t>Normalizeren</a:t>
+            </a:r>
             <a:r>
               <a:rPr lang="en-US" dirty="0"/>
-              <a:t>Decision tree + random forest</a:t>
+              <a:t>?</a:t>
             </a:r>
           </a:p>
           <a:p>
             <a:r>
               <a:rPr lang="en-US" dirty="0"/>
-              <a:t>Passive Aggressive Algorithm</a:t>
+              <a:t>Hoek van </a:t>
+            </a:r>
+            <a:r>
+              <a:rPr lang="en-US" dirty="0" err="1"/>
+              <a:t>trapas</a:t>
+            </a:r>
+            <a:endParaRPr lang="en-US" dirty="0"/>
+          </a:p>
+          <a:p>
+            <a:r>
+              <a:rPr lang="en-US" dirty="0"/>
+              <a:t>INSERT FOTO HIER</a:t>
+            </a:r>
+          </a:p>
+          <a:p>
+            <a:r>
+              <a:rPr lang="en-US" dirty="0"/>
+              <a:t>Noise?</a:t>
             </a:r>
             <a:endParaRPr lang="nl-BE" dirty="0"/>
           </a:p>
@@ -4839,7 +5261,7 @@
     </p:spTree>
     <p:extLst>
       <p:ext uri="{BB962C8B-B14F-4D97-AF65-F5344CB8AC3E}">
-        <p14:creationId xmlns:p14="http://schemas.microsoft.com/office/powerpoint/2010/main" val="803479800"/>
+        <p14:creationId xmlns:p14="http://schemas.microsoft.com/office/powerpoint/2010/main" val="893632003"/>
       </p:ext>
     </p:extLst>
   </p:cSld>
@@ -4871,7 +5293,7 @@
           <p:cNvPr id="2" name="Title 1">
             <a:extLst>
               <a:ext uri="{FF2B5EF4-FFF2-40B4-BE49-F238E27FC236}">
-                <a16:creationId xmlns:a16="http://schemas.microsoft.com/office/drawing/2014/main" id="{109C31AB-28B6-49CA-AA2F-75F45898398F}"/>
+                <a16:creationId xmlns:a16="http://schemas.microsoft.com/office/drawing/2014/main" id="{F07E3388-8EBD-48BA-A69F-52F2A4FC4ED2}"/>
               </a:ext>
             </a:extLst>
           </p:cNvPr>
@@ -4889,7 +5311,7 @@
           <a:p>
             <a:r>
               <a:rPr lang="en-US" dirty="0"/>
-              <a:t>LSTM</a:t>
+              <a:t>Noise</a:t>
             </a:r>
             <a:endParaRPr lang="nl-BE" dirty="0"/>
           </a:p>
@@ -4900,7 +5322,7 @@
           <p:cNvPr id="3" name="Content Placeholder 2">
             <a:extLst>
               <a:ext uri="{FF2B5EF4-FFF2-40B4-BE49-F238E27FC236}">
-                <a16:creationId xmlns:a16="http://schemas.microsoft.com/office/drawing/2014/main" id="{5DD51DD9-1288-4B83-9604-678A56D96592}"/>
+                <a16:creationId xmlns:a16="http://schemas.microsoft.com/office/drawing/2014/main" id="{B996DFD8-2EB7-4CF8-912E-A86C16C09E8D}"/>
               </a:ext>
             </a:extLst>
           </p:cNvPr>
@@ -4918,40 +5340,29 @@
           <a:p>
             <a:r>
               <a:rPr lang="en-US" dirty="0"/>
-              <a:t>+ Noise resistant</a:t>
-            </a:r>
-          </a:p>
-          <a:p>
+              <a:t>Fast Fourier </a:t>
+            </a:r>
+            <a:r>
+              <a:rPr lang="en-US" dirty="0" err="1"/>
+              <a:t>Transformatie</a:t>
+            </a:r>
+            <a:endParaRPr lang="en-US" dirty="0"/>
+          </a:p>
+          <a:p>
+            <a:r>
+              <a:rPr lang="en-US" dirty="0" err="1"/>
+              <a:t>Weg</a:t>
+            </a:r>
             <a:r>
               <a:rPr lang="en-US" dirty="0"/>
-              <a:t>+ </a:t>
-            </a:r>
-            <a:r>
-              <a:rPr lang="nl-BE" dirty="0"/>
-              <a:t>Sequentiële</a:t>
-            </a:r>
+              <a:t> 20Hz</a:t>
+            </a:r>
+          </a:p>
+          <a:p>
             <a:r>
               <a:rPr lang="en-US" dirty="0"/>
-              <a:t> data</a:t>
-            </a:r>
-          </a:p>
-          <a:p>
-            <a:r>
-              <a:rPr lang="en-US" dirty="0"/>
-              <a:t>+ </a:t>
-            </a:r>
-            <a:r>
-              <a:rPr lang="en-US" dirty="0" err="1"/>
-              <a:t>Voorspelling</a:t>
-            </a:r>
-            <a:endParaRPr lang="nl-BE" dirty="0"/>
-          </a:p>
-          <a:p>
-            <a:r>
-              <a:rPr lang="en-US" dirty="0"/>
-              <a:t>- Training</a:t>
-            </a:r>
-            <a:endParaRPr lang="nl-BE" dirty="0"/>
+              <a:t>Motor 13000+Hz</a:t>
+            </a:r>
           </a:p>
         </p:txBody>
       </p:sp>
@@ -4960,7 +5371,7 @@
           <p:cNvPr id="5" name="Picture 4">
             <a:extLst>
               <a:ext uri="{FF2B5EF4-FFF2-40B4-BE49-F238E27FC236}">
-                <a16:creationId xmlns:a16="http://schemas.microsoft.com/office/drawing/2014/main" id="{ECB5A14C-2B97-4E89-B428-4DF7A9425F4B}"/>
+                <a16:creationId xmlns:a16="http://schemas.microsoft.com/office/drawing/2014/main" id="{5C762992-78B9-47AF-97F5-C82E92B0CAE9}"/>
               </a:ext>
             </a:extLst>
           </p:cNvPr>
@@ -4983,7 +5394,7 @@
         </p:blipFill>
         <p:spPr>
           <a:xfrm>
-            <a:off x="5637087" y="1444108"/>
+            <a:off x="5930521" y="1143000"/>
             <a:ext cx="6096000" cy="4572000"/>
           </a:xfrm>
           <a:prstGeom prst="rect">
@@ -4991,46 +5402,10 @@
           </a:prstGeom>
         </p:spPr>
       </p:pic>
-      <p:sp>
-        <p:nvSpPr>
-          <p:cNvPr id="6" name="TextBox 5">
-            <a:extLst>
-              <a:ext uri="{FF2B5EF4-FFF2-40B4-BE49-F238E27FC236}">
-                <a16:creationId xmlns:a16="http://schemas.microsoft.com/office/drawing/2014/main" id="{EDCCF144-C2F5-4D86-9E25-FAC4541303EB}"/>
-              </a:ext>
-            </a:extLst>
-          </p:cNvPr>
-          <p:cNvSpPr txBox="1"/>
-          <p:nvPr/>
-        </p:nvSpPr>
-        <p:spPr>
-          <a:xfrm>
-            <a:off x="9356330" y="6176963"/>
-            <a:ext cx="1997470" cy="369332"/>
-          </a:xfrm>
-          <a:prstGeom prst="rect">
-            <a:avLst/>
-          </a:prstGeom>
-          <a:noFill/>
-        </p:spPr>
-        <p:txBody>
-          <a:bodyPr wrap="none" rtlCol="0">
-            <a:spAutoFit/>
-          </a:bodyPr>
-          <a:lstStyle/>
-          <a:p>
-            <a:r>
-              <a:rPr lang="en-US" dirty="0"/>
-              <a:t>Epoch 10 van LSTM</a:t>
-            </a:r>
-            <a:endParaRPr lang="nl-BE" dirty="0"/>
-          </a:p>
-        </p:txBody>
-      </p:sp>
     </p:spTree>
     <p:extLst>
       <p:ext uri="{BB962C8B-B14F-4D97-AF65-F5344CB8AC3E}">
-        <p14:creationId xmlns:p14="http://schemas.microsoft.com/office/powerpoint/2010/main" val="1876236166"/>
+        <p14:creationId xmlns:p14="http://schemas.microsoft.com/office/powerpoint/2010/main" val="1282063766"/>
       </p:ext>
     </p:extLst>
   </p:cSld>
@@ -5062,7 +5437,7 @@
           <p:cNvPr id="2" name="Title 1">
             <a:extLst>
               <a:ext uri="{FF2B5EF4-FFF2-40B4-BE49-F238E27FC236}">
-                <a16:creationId xmlns:a16="http://schemas.microsoft.com/office/drawing/2014/main" id="{F9549881-6D30-447E-AF2F-8BC68A548A58}"/>
+                <a16:creationId xmlns:a16="http://schemas.microsoft.com/office/drawing/2014/main" id="{D9FEA1FE-4890-49B8-8564-9AC90B07E1F9}"/>
               </a:ext>
             </a:extLst>
           </p:cNvPr>
@@ -5079,128 +5454,49 @@
           <a:lstStyle/>
           <a:p>
             <a:r>
+              <a:rPr lang="en-US" dirty="0" err="1"/>
+              <a:t>Modellen</a:t>
+            </a:r>
+            <a:endParaRPr lang="nl-BE" dirty="0"/>
+          </a:p>
+        </p:txBody>
+      </p:sp>
+      <p:sp>
+        <p:nvSpPr>
+          <p:cNvPr id="3" name="Content Placeholder 2">
+            <a:extLst>
+              <a:ext uri="{FF2B5EF4-FFF2-40B4-BE49-F238E27FC236}">
+                <a16:creationId xmlns:a16="http://schemas.microsoft.com/office/drawing/2014/main" id="{6AEFA455-E7CD-4675-9B09-3EFA5BDB4F93}"/>
+              </a:ext>
+            </a:extLst>
+          </p:cNvPr>
+          <p:cNvSpPr>
+            <a:spLocks noGrp="1"/>
+          </p:cNvSpPr>
+          <p:nvPr>
+            <p:ph idx="1"/>
+          </p:nvPr>
+        </p:nvSpPr>
+        <p:spPr/>
+        <p:txBody>
+          <a:bodyPr/>
+          <a:lstStyle/>
+          <a:p>
+            <a:r>
               <a:rPr lang="en-US" dirty="0"/>
-              <a:t>Tree + Random Forests</a:t>
-            </a:r>
-            <a:endParaRPr lang="nl-BE" dirty="0"/>
-          </a:p>
-        </p:txBody>
-      </p:sp>
-      <p:sp>
-        <p:nvSpPr>
-          <p:cNvPr id="3" name="Content Placeholder 2">
-            <a:extLst>
-              <a:ext uri="{FF2B5EF4-FFF2-40B4-BE49-F238E27FC236}">
-                <a16:creationId xmlns:a16="http://schemas.microsoft.com/office/drawing/2014/main" id="{53F9AD7E-7680-4FE6-854B-EBDE97D6D1F3}"/>
-              </a:ext>
-            </a:extLst>
-          </p:cNvPr>
-          <p:cNvSpPr>
-            <a:spLocks noGrp="1"/>
-          </p:cNvSpPr>
-          <p:nvPr>
-            <p:ph idx="1"/>
-          </p:nvPr>
-        </p:nvSpPr>
-        <p:spPr/>
-        <p:txBody>
-          <a:bodyPr/>
-          <a:lstStyle/>
+              <a:t>LSTM </a:t>
+            </a:r>
+          </a:p>
           <a:p>
             <a:r>
               <a:rPr lang="en-US" dirty="0"/>
-              <a:t>+ Training</a:t>
+              <a:t>Decision tree + random forest</a:t>
             </a:r>
           </a:p>
           <a:p>
             <a:r>
               <a:rPr lang="en-US" dirty="0"/>
-              <a:t>+ </a:t>
-            </a:r>
-            <a:r>
-              <a:rPr lang="en-US" dirty="0" err="1"/>
-              <a:t>Voorspelling</a:t>
-            </a:r>
-            <a:endParaRPr lang="en-US" dirty="0"/>
-          </a:p>
-          <a:p>
-            <a:r>
-              <a:rPr lang="en-US" dirty="0"/>
-              <a:t>- Noise</a:t>
-            </a:r>
-          </a:p>
-          <a:p>
-            <a:endParaRPr lang="nl-BE" dirty="0"/>
-          </a:p>
-        </p:txBody>
-      </p:sp>
-      <p:pic>
-        <p:nvPicPr>
-          <p:cNvPr id="5" name="Picture 4">
-            <a:extLst>
-              <a:ext uri="{FF2B5EF4-FFF2-40B4-BE49-F238E27FC236}">
-                <a16:creationId xmlns:a16="http://schemas.microsoft.com/office/drawing/2014/main" id="{4C50CDBD-C108-4B8F-88A4-63D3604D2A79}"/>
-              </a:ext>
-            </a:extLst>
-          </p:cNvPr>
-          <p:cNvPicPr>
-            <a:picLocks noChangeAspect="1"/>
-          </p:cNvPicPr>
-          <p:nvPr/>
-        </p:nvPicPr>
-        <p:blipFill>
-          <a:blip r:embed="rId2">
-            <a:extLst>
-              <a:ext uri="{28A0092B-C50C-407E-A947-70E740481C1C}">
-                <a14:useLocalDpi xmlns:a14="http://schemas.microsoft.com/office/drawing/2010/main" val="0"/>
-              </a:ext>
-            </a:extLst>
-          </a:blip>
-          <a:stretch>
-            <a:fillRect/>
-          </a:stretch>
-        </p:blipFill>
-        <p:spPr>
-          <a:xfrm>
-            <a:off x="5761149" y="1463295"/>
-            <a:ext cx="6096000" cy="4572000"/>
-          </a:xfrm>
-          <a:prstGeom prst="rect">
-            <a:avLst/>
-          </a:prstGeom>
-        </p:spPr>
-      </p:pic>
-      <p:sp>
-        <p:nvSpPr>
-          <p:cNvPr id="6" name="TextBox 5">
-            <a:extLst>
-              <a:ext uri="{FF2B5EF4-FFF2-40B4-BE49-F238E27FC236}">
-                <a16:creationId xmlns:a16="http://schemas.microsoft.com/office/drawing/2014/main" id="{5B1E8BF7-90E0-444C-A688-2C8F682E9EB6}"/>
-              </a:ext>
-            </a:extLst>
-          </p:cNvPr>
-          <p:cNvSpPr txBox="1"/>
-          <p:nvPr/>
-        </p:nvSpPr>
-        <p:spPr>
-          <a:xfrm>
-            <a:off x="10812694" y="6035295"/>
-            <a:ext cx="1082211" cy="369332"/>
-          </a:xfrm>
-          <a:prstGeom prst="rect">
-            <a:avLst/>
-          </a:prstGeom>
-          <a:noFill/>
-        </p:spPr>
-        <p:txBody>
-          <a:bodyPr wrap="square" rtlCol="0">
-            <a:spAutoFit/>
-          </a:bodyPr>
-          <a:lstStyle/>
-          <a:p>
-            <a:r>
-              <a:rPr lang="en-US" dirty="0"/>
-              <a:t>Forest</a:t>
+              <a:t>Passive Aggressive Algorithm (Perceptron)</a:t>
             </a:r>
             <a:endParaRPr lang="nl-BE" dirty="0"/>
           </a:p>
@@ -5209,7 +5505,7 @@
     </p:spTree>
     <p:extLst>
       <p:ext uri="{BB962C8B-B14F-4D97-AF65-F5344CB8AC3E}">
-        <p14:creationId xmlns:p14="http://schemas.microsoft.com/office/powerpoint/2010/main" val="181971166"/>
+        <p14:creationId xmlns:p14="http://schemas.microsoft.com/office/powerpoint/2010/main" val="803479800"/>
       </p:ext>
     </p:extLst>
   </p:cSld>
